--- a/Batch-07/Proff Lecture Material/10.2 Elastic Compute Cloud EC2.pptx
+++ b/Batch-07/Proff Lecture Material/10.2 Elastic Compute Cloud EC2.pptx
@@ -22,21 +22,21 @@
   <p:notesSz cx="7556500" cy="10693400"/>
   <p:embeddedFontLst>
     <p:embeddedFont>
-      <p:font typeface="Calibri" pitchFamily="34" charset="0"/>
+      <p:font typeface="Calibri" panose="020F0502020204030204" pitchFamily="34" charset="0"/>
       <p:regular r:id="rId14"/>
       <p:bold r:id="rId15"/>
       <p:italic r:id="rId16"/>
       <p:boldItalic r:id="rId17"/>
     </p:embeddedFont>
     <p:embeddedFont>
-      <p:font typeface="Constantia" pitchFamily="18" charset="0"/>
+      <p:font typeface="Constantia" panose="02030602050306030303" pitchFamily="18" charset="0"/>
       <p:regular r:id="rId18"/>
       <p:bold r:id="rId19"/>
       <p:italic r:id="rId20"/>
       <p:boldItalic r:id="rId21"/>
     </p:embeddedFont>
     <p:embeddedFont>
-      <p:font typeface="Wingdings 2" pitchFamily="18" charset="2"/>
+      <p:font typeface="Wingdings 2" panose="05020102010507070707" pitchFamily="18" charset="2"/>
       <p:regular r:id="rId22"/>
     </p:embeddedFont>
   </p:embeddedFontLst>
@@ -135,6 +135,22 @@
       </a:defRPr>
     </a:lvl9pPr>
   </p:defaultTextStyle>
+  <p:extLst>
+    <p:ext uri="{EFAFB233-063F-42B5-8137-9DF3F51BA10A}">
+      <p15:sldGuideLst xmlns:p15="http://schemas.microsoft.com/office/powerpoint/2012/main">
+        <p15:guide id="1" orient="horz" pos="2880">
+          <p15:clr>
+            <a:srgbClr val="A4A3A4"/>
+          </p15:clr>
+        </p15:guide>
+        <p15:guide id="2" pos="2160">
+          <p15:clr>
+            <a:srgbClr val="A4A3A4"/>
+          </p15:clr>
+        </p15:guide>
+      </p15:sldGuideLst>
+    </p:ext>
+  </p:extLst>
 </p:presentation>
 </file>
 
@@ -226,10 +242,9 @@
           </a:lstStyle>
           <a:p>
             <a:r>
-              <a:rPr kumimoji="0" lang="en-US" smtClean="0"/>
+              <a:rPr kumimoji="0" lang="en-US"/>
               <a:t>Click to edit Master title style</a:t>
             </a:r>
-            <a:endParaRPr kumimoji="0" lang="en-US"/>
           </a:p>
         </p:txBody>
       </p:sp>
@@ -287,10 +302,9 @@
           </a:lstStyle>
           <a:p>
             <a:r>
-              <a:rPr kumimoji="0" lang="en-US" smtClean="0"/>
+              <a:rPr kumimoji="0" lang="en-US"/>
               <a:t>Click to edit Master subtitle style</a:t>
             </a:r>
-            <a:endParaRPr kumimoji="0" lang="en-US"/>
           </a:p>
         </p:txBody>
       </p:sp>
@@ -312,7 +326,7 @@
             <a:fld id="{1D8BD707-D9CF-40AE-B4C6-C98DA3205C09}" type="datetimeFigureOut">
               <a:rPr lang="en-US" smtClean="0"/>
               <a:pPr/>
-              <a:t>4/26/2020</a:t>
+              <a:t>12/5/2021</a:t>
             </a:fld>
             <a:endParaRPr lang="en-US"/>
           </a:p>
@@ -402,10 +416,9 @@
           <a:lstStyle/>
           <a:p>
             <a:r>
-              <a:rPr kumimoji="0" lang="en-US" smtClean="0"/>
+              <a:rPr kumimoji="0" lang="en-US"/>
               <a:t>Click to edit Master title style</a:t>
             </a:r>
-            <a:endParaRPr kumimoji="0" lang="en-US"/>
           </a:p>
         </p:txBody>
       </p:sp>
@@ -426,35 +439,35 @@
           <a:p>
             <a:pPr lvl="0" eaLnBrk="1" latinLnBrk="0" hangingPunct="1"/>
             <a:r>
-              <a:rPr lang="en-US" smtClean="0"/>
+              <a:rPr lang="en-US"/>
               <a:t>Click to edit Master text styles</a:t>
             </a:r>
           </a:p>
           <a:p>
             <a:pPr lvl="1" eaLnBrk="1" latinLnBrk="0" hangingPunct="1"/>
             <a:r>
-              <a:rPr lang="en-US" smtClean="0"/>
+              <a:rPr lang="en-US"/>
               <a:t>Second level</a:t>
             </a:r>
           </a:p>
           <a:p>
             <a:pPr lvl="2" eaLnBrk="1" latinLnBrk="0" hangingPunct="1"/>
             <a:r>
-              <a:rPr lang="en-US" smtClean="0"/>
+              <a:rPr lang="en-US"/>
               <a:t>Third level</a:t>
             </a:r>
           </a:p>
           <a:p>
             <a:pPr lvl="3" eaLnBrk="1" latinLnBrk="0" hangingPunct="1"/>
             <a:r>
-              <a:rPr lang="en-US" smtClean="0"/>
+              <a:rPr lang="en-US"/>
               <a:t>Fourth level</a:t>
             </a:r>
           </a:p>
           <a:p>
             <a:pPr lvl="4" eaLnBrk="1" latinLnBrk="0" hangingPunct="1"/>
             <a:r>
-              <a:rPr lang="en-US" smtClean="0"/>
+              <a:rPr lang="en-US"/>
               <a:t>Fifth level</a:t>
             </a:r>
             <a:endParaRPr kumimoji="0" lang="en-US"/>
@@ -479,7 +492,7 @@
             <a:fld id="{1D8BD707-D9CF-40AE-B4C6-C98DA3205C09}" type="datetimeFigureOut">
               <a:rPr lang="en-US" smtClean="0"/>
               <a:pPr/>
-              <a:t>4/26/2020</a:t>
+              <a:t>12/5/2021</a:t>
             </a:fld>
             <a:endParaRPr lang="en-US"/>
           </a:p>
@@ -574,10 +587,9 @@
           <a:lstStyle/>
           <a:p>
             <a:r>
-              <a:rPr kumimoji="0" lang="en-US" smtClean="0"/>
+              <a:rPr kumimoji="0" lang="en-US"/>
               <a:t>Click to edit Master title style</a:t>
             </a:r>
-            <a:endParaRPr kumimoji="0" lang="en-US"/>
           </a:p>
         </p:txBody>
       </p:sp>
@@ -603,35 +615,35 @@
           <a:p>
             <a:pPr lvl="0" eaLnBrk="1" latinLnBrk="0" hangingPunct="1"/>
             <a:r>
-              <a:rPr lang="en-US" smtClean="0"/>
+              <a:rPr lang="en-US"/>
               <a:t>Click to edit Master text styles</a:t>
             </a:r>
           </a:p>
           <a:p>
             <a:pPr lvl="1" eaLnBrk="1" latinLnBrk="0" hangingPunct="1"/>
             <a:r>
-              <a:rPr lang="en-US" smtClean="0"/>
+              <a:rPr lang="en-US"/>
               <a:t>Second level</a:t>
             </a:r>
           </a:p>
           <a:p>
             <a:pPr lvl="2" eaLnBrk="1" latinLnBrk="0" hangingPunct="1"/>
             <a:r>
-              <a:rPr lang="en-US" smtClean="0"/>
+              <a:rPr lang="en-US"/>
               <a:t>Third level</a:t>
             </a:r>
           </a:p>
           <a:p>
             <a:pPr lvl="3" eaLnBrk="1" latinLnBrk="0" hangingPunct="1"/>
             <a:r>
-              <a:rPr lang="en-US" smtClean="0"/>
+              <a:rPr lang="en-US"/>
               <a:t>Fourth level</a:t>
             </a:r>
           </a:p>
           <a:p>
             <a:pPr lvl="4" eaLnBrk="1" latinLnBrk="0" hangingPunct="1"/>
             <a:r>
-              <a:rPr lang="en-US" smtClean="0"/>
+              <a:rPr lang="en-US"/>
               <a:t>Fifth level</a:t>
             </a:r>
             <a:endParaRPr kumimoji="0" lang="en-US"/>
@@ -656,7 +668,7 @@
             <a:fld id="{1D8BD707-D9CF-40AE-B4C6-C98DA3205C09}" type="datetimeFigureOut">
               <a:rPr lang="en-US" smtClean="0"/>
               <a:pPr/>
-              <a:t>4/26/2020</a:t>
+              <a:t>12/5/2021</a:t>
             </a:fld>
             <a:endParaRPr lang="en-US"/>
           </a:p>
@@ -746,10 +758,9 @@
           <a:lstStyle/>
           <a:p>
             <a:r>
-              <a:rPr kumimoji="0" lang="en-US" smtClean="0"/>
+              <a:rPr kumimoji="0" lang="en-US"/>
               <a:t>Click to edit Master title style</a:t>
             </a:r>
-            <a:endParaRPr kumimoji="0" lang="en-US"/>
           </a:p>
         </p:txBody>
       </p:sp>
@@ -770,35 +781,35 @@
           <a:p>
             <a:pPr lvl="0" eaLnBrk="1" latinLnBrk="0" hangingPunct="1"/>
             <a:r>
-              <a:rPr lang="en-US" smtClean="0"/>
+              <a:rPr lang="en-US"/>
               <a:t>Click to edit Master text styles</a:t>
             </a:r>
           </a:p>
           <a:p>
             <a:pPr lvl="1" eaLnBrk="1" latinLnBrk="0" hangingPunct="1"/>
             <a:r>
-              <a:rPr lang="en-US" smtClean="0"/>
+              <a:rPr lang="en-US"/>
               <a:t>Second level</a:t>
             </a:r>
           </a:p>
           <a:p>
             <a:pPr lvl="2" eaLnBrk="1" latinLnBrk="0" hangingPunct="1"/>
             <a:r>
-              <a:rPr lang="en-US" smtClean="0"/>
+              <a:rPr lang="en-US"/>
               <a:t>Third level</a:t>
             </a:r>
           </a:p>
           <a:p>
             <a:pPr lvl="3" eaLnBrk="1" latinLnBrk="0" hangingPunct="1"/>
             <a:r>
-              <a:rPr lang="en-US" smtClean="0"/>
+              <a:rPr lang="en-US"/>
               <a:t>Fourth level</a:t>
             </a:r>
           </a:p>
           <a:p>
             <a:pPr lvl="4" eaLnBrk="1" latinLnBrk="0" hangingPunct="1"/>
             <a:r>
-              <a:rPr lang="en-US" smtClean="0"/>
+              <a:rPr lang="en-US"/>
               <a:t>Fifth level</a:t>
             </a:r>
             <a:endParaRPr kumimoji="0" lang="en-US"/>
@@ -823,7 +834,7 @@
             <a:fld id="{1D8BD707-D9CF-40AE-B4C6-C98DA3205C09}" type="datetimeFigureOut">
               <a:rPr lang="en-US" smtClean="0"/>
               <a:pPr/>
-              <a:t>4/26/2020</a:t>
+              <a:t>12/5/2021</a:t>
             </a:fld>
             <a:endParaRPr lang="en-US"/>
           </a:p>
@@ -965,10 +976,9 @@
           </a:lstStyle>
           <a:p>
             <a:r>
-              <a:rPr kumimoji="0" lang="en-US" smtClean="0"/>
+              <a:rPr kumimoji="0" lang="en-US"/>
               <a:t>Click to edit Master title style</a:t>
             </a:r>
-            <a:endParaRPr kumimoji="0" lang="en-US"/>
           </a:p>
         </p:txBody>
       </p:sp>
@@ -1043,7 +1053,7 @@
           <a:p>
             <a:pPr lvl="0" eaLnBrk="1" latinLnBrk="0" hangingPunct="1"/>
             <a:r>
-              <a:rPr kumimoji="0" lang="en-US" smtClean="0"/>
+              <a:rPr kumimoji="0" lang="en-US"/>
               <a:t>Click to edit Master text styles</a:t>
             </a:r>
           </a:p>
@@ -1067,7 +1077,7 @@
             <a:fld id="{1D8BD707-D9CF-40AE-B4C6-C98DA3205C09}" type="datetimeFigureOut">
               <a:rPr lang="en-US" smtClean="0"/>
               <a:pPr/>
-              <a:t>4/26/2020</a:t>
+              <a:t>12/5/2021</a:t>
             </a:fld>
             <a:endParaRPr lang="en-US"/>
           </a:p>
@@ -1162,10 +1172,9 @@
           <a:lstStyle/>
           <a:p>
             <a:r>
-              <a:rPr kumimoji="0" lang="en-US" smtClean="0"/>
+              <a:rPr kumimoji="0" lang="en-US"/>
               <a:t>Click to edit Master title style</a:t>
             </a:r>
-            <a:endParaRPr kumimoji="0" lang="en-US"/>
           </a:p>
         </p:txBody>
       </p:sp>
@@ -1207,35 +1216,35 @@
           <a:p>
             <a:pPr lvl="0" eaLnBrk="1" latinLnBrk="0" hangingPunct="1"/>
             <a:r>
-              <a:rPr lang="en-US" smtClean="0"/>
+              <a:rPr lang="en-US"/>
               <a:t>Click to edit Master text styles</a:t>
             </a:r>
           </a:p>
           <a:p>
             <a:pPr lvl="1" eaLnBrk="1" latinLnBrk="0" hangingPunct="1"/>
             <a:r>
-              <a:rPr lang="en-US" smtClean="0"/>
+              <a:rPr lang="en-US"/>
               <a:t>Second level</a:t>
             </a:r>
           </a:p>
           <a:p>
             <a:pPr lvl="2" eaLnBrk="1" latinLnBrk="0" hangingPunct="1"/>
             <a:r>
-              <a:rPr lang="en-US" smtClean="0"/>
+              <a:rPr lang="en-US"/>
               <a:t>Third level</a:t>
             </a:r>
           </a:p>
           <a:p>
             <a:pPr lvl="3" eaLnBrk="1" latinLnBrk="0" hangingPunct="1"/>
             <a:r>
-              <a:rPr lang="en-US" smtClean="0"/>
+              <a:rPr lang="en-US"/>
               <a:t>Fourth level</a:t>
             </a:r>
           </a:p>
           <a:p>
             <a:pPr lvl="4" eaLnBrk="1" latinLnBrk="0" hangingPunct="1"/>
             <a:r>
-              <a:rPr lang="en-US" smtClean="0"/>
+              <a:rPr lang="en-US"/>
               <a:t>Fifth level</a:t>
             </a:r>
             <a:endParaRPr kumimoji="0" lang="en-US"/>
@@ -1280,35 +1289,35 @@
           <a:p>
             <a:pPr lvl="0" eaLnBrk="1" latinLnBrk="0" hangingPunct="1"/>
             <a:r>
-              <a:rPr lang="en-US" smtClean="0"/>
+              <a:rPr lang="en-US"/>
               <a:t>Click to edit Master text styles</a:t>
             </a:r>
           </a:p>
           <a:p>
             <a:pPr lvl="1" eaLnBrk="1" latinLnBrk="0" hangingPunct="1"/>
             <a:r>
-              <a:rPr lang="en-US" smtClean="0"/>
+              <a:rPr lang="en-US"/>
               <a:t>Second level</a:t>
             </a:r>
           </a:p>
           <a:p>
             <a:pPr lvl="2" eaLnBrk="1" latinLnBrk="0" hangingPunct="1"/>
             <a:r>
-              <a:rPr lang="en-US" smtClean="0"/>
+              <a:rPr lang="en-US"/>
               <a:t>Third level</a:t>
             </a:r>
           </a:p>
           <a:p>
             <a:pPr lvl="3" eaLnBrk="1" latinLnBrk="0" hangingPunct="1"/>
             <a:r>
-              <a:rPr lang="en-US" smtClean="0"/>
+              <a:rPr lang="en-US"/>
               <a:t>Fourth level</a:t>
             </a:r>
           </a:p>
           <a:p>
             <a:pPr lvl="4" eaLnBrk="1" latinLnBrk="0" hangingPunct="1"/>
             <a:r>
-              <a:rPr lang="en-US" smtClean="0"/>
+              <a:rPr lang="en-US"/>
               <a:t>Fifth level</a:t>
             </a:r>
             <a:endParaRPr kumimoji="0" lang="en-US"/>
@@ -1333,7 +1342,7 @@
             <a:fld id="{1D8BD707-D9CF-40AE-B4C6-C98DA3205C09}" type="datetimeFigureOut">
               <a:rPr lang="en-US" smtClean="0"/>
               <a:pPr/>
-              <a:t>4/26/2020</a:t>
+              <a:t>12/5/2021</a:t>
             </a:fld>
             <a:endParaRPr lang="en-US"/>
           </a:p>
@@ -1432,10 +1441,9 @@
           </a:lstStyle>
           <a:p>
             <a:r>
-              <a:rPr kumimoji="0" lang="en-US" smtClean="0"/>
+              <a:rPr kumimoji="0" lang="en-US"/>
               <a:t>Click to edit Master title style</a:t>
             </a:r>
-            <a:endParaRPr kumimoji="0" lang="en-US"/>
           </a:p>
         </p:txBody>
       </p:sp>
@@ -1489,7 +1497,7 @@
           <a:p>
             <a:pPr lvl="0" eaLnBrk="1" latinLnBrk="0" hangingPunct="1"/>
             <a:r>
-              <a:rPr kumimoji="0" lang="en-US" smtClean="0"/>
+              <a:rPr kumimoji="0" lang="en-US"/>
               <a:t>Click to edit Master text styles</a:t>
             </a:r>
           </a:p>
@@ -1543,7 +1551,7 @@
           <a:p>
             <a:pPr lvl="0" eaLnBrk="1" latinLnBrk="0" hangingPunct="1"/>
             <a:r>
-              <a:rPr kumimoji="0" lang="en-US" smtClean="0"/>
+              <a:rPr kumimoji="0" lang="en-US"/>
               <a:t>Click to edit Master text styles</a:t>
             </a:r>
           </a:p>
@@ -1587,35 +1595,35 @@
           <a:p>
             <a:pPr lvl="0" eaLnBrk="1" latinLnBrk="0" hangingPunct="1"/>
             <a:r>
-              <a:rPr lang="en-US" smtClean="0"/>
+              <a:rPr lang="en-US"/>
               <a:t>Click to edit Master text styles</a:t>
             </a:r>
           </a:p>
           <a:p>
             <a:pPr lvl="1" eaLnBrk="1" latinLnBrk="0" hangingPunct="1"/>
             <a:r>
-              <a:rPr lang="en-US" smtClean="0"/>
+              <a:rPr lang="en-US"/>
               <a:t>Second level</a:t>
             </a:r>
           </a:p>
           <a:p>
             <a:pPr lvl="2" eaLnBrk="1" latinLnBrk="0" hangingPunct="1"/>
             <a:r>
-              <a:rPr lang="en-US" smtClean="0"/>
+              <a:rPr lang="en-US"/>
               <a:t>Third level</a:t>
             </a:r>
           </a:p>
           <a:p>
             <a:pPr lvl="3" eaLnBrk="1" latinLnBrk="0" hangingPunct="1"/>
             <a:r>
-              <a:rPr lang="en-US" smtClean="0"/>
+              <a:rPr lang="en-US"/>
               <a:t>Fourth level</a:t>
             </a:r>
           </a:p>
           <a:p>
             <a:pPr lvl="4" eaLnBrk="1" latinLnBrk="0" hangingPunct="1"/>
             <a:r>
-              <a:rPr lang="en-US" smtClean="0"/>
+              <a:rPr lang="en-US"/>
               <a:t>Fifth level</a:t>
             </a:r>
             <a:endParaRPr kumimoji="0" lang="en-US"/>
@@ -1660,35 +1668,35 @@
           <a:p>
             <a:pPr lvl="0" eaLnBrk="1" latinLnBrk="0" hangingPunct="1"/>
             <a:r>
-              <a:rPr lang="en-US" smtClean="0"/>
+              <a:rPr lang="en-US"/>
               <a:t>Click to edit Master text styles</a:t>
             </a:r>
           </a:p>
           <a:p>
             <a:pPr lvl="1" eaLnBrk="1" latinLnBrk="0" hangingPunct="1"/>
             <a:r>
-              <a:rPr lang="en-US" smtClean="0"/>
+              <a:rPr lang="en-US"/>
               <a:t>Second level</a:t>
             </a:r>
           </a:p>
           <a:p>
             <a:pPr lvl="2" eaLnBrk="1" latinLnBrk="0" hangingPunct="1"/>
             <a:r>
-              <a:rPr lang="en-US" smtClean="0"/>
+              <a:rPr lang="en-US"/>
               <a:t>Third level</a:t>
             </a:r>
           </a:p>
           <a:p>
             <a:pPr lvl="3" eaLnBrk="1" latinLnBrk="0" hangingPunct="1"/>
             <a:r>
-              <a:rPr lang="en-US" smtClean="0"/>
+              <a:rPr lang="en-US"/>
               <a:t>Fourth level</a:t>
             </a:r>
           </a:p>
           <a:p>
             <a:pPr lvl="4" eaLnBrk="1" latinLnBrk="0" hangingPunct="1"/>
             <a:r>
-              <a:rPr lang="en-US" smtClean="0"/>
+              <a:rPr lang="en-US"/>
               <a:t>Fifth level</a:t>
             </a:r>
             <a:endParaRPr kumimoji="0" lang="en-US"/>
@@ -1713,7 +1721,7 @@
             <a:fld id="{1D8BD707-D9CF-40AE-B4C6-C98DA3205C09}" type="datetimeFigureOut">
               <a:rPr lang="en-US" smtClean="0"/>
               <a:pPr/>
-              <a:t>4/26/2020</a:t>
+              <a:t>12/5/2021</a:t>
             </a:fld>
             <a:endParaRPr lang="en-US"/>
           </a:p>
@@ -1840,10 +1848,9 @@
           </a:lstStyle>
           <a:p>
             <a:r>
-              <a:rPr kumimoji="0" lang="en-US" smtClean="0"/>
+              <a:rPr kumimoji="0" lang="en-US"/>
               <a:t>Click to edit Master title style</a:t>
             </a:r>
-            <a:endParaRPr kumimoji="0" lang="en-US"/>
           </a:p>
         </p:txBody>
       </p:sp>
@@ -1865,7 +1872,7 @@
             <a:fld id="{1D8BD707-D9CF-40AE-B4C6-C98DA3205C09}" type="datetimeFigureOut">
               <a:rPr lang="en-US" smtClean="0"/>
               <a:pPr/>
-              <a:t>4/26/2020</a:t>
+              <a:t>12/5/2021</a:t>
             </a:fld>
             <a:endParaRPr lang="en-US"/>
           </a:p>
@@ -1957,7 +1964,7 @@
             <a:fld id="{1D8BD707-D9CF-40AE-B4C6-C98DA3205C09}" type="datetimeFigureOut">
               <a:rPr lang="en-US" smtClean="0"/>
               <a:pPr/>
-              <a:t>4/26/2020</a:t>
+              <a:t>12/5/2021</a:t>
             </a:fld>
             <a:endParaRPr lang="en-US"/>
           </a:p>
@@ -2073,10 +2080,9 @@
           </a:lstStyle>
           <a:p>
             <a:r>
-              <a:rPr kumimoji="0" lang="en-US" smtClean="0"/>
+              <a:rPr kumimoji="0" lang="en-US"/>
               <a:t>Click to edit Master title style</a:t>
             </a:r>
-            <a:endParaRPr kumimoji="0" lang="en-US"/>
           </a:p>
         </p:txBody>
       </p:sp>
@@ -2123,7 +2129,7 @@
           <a:p>
             <a:pPr lvl="0" eaLnBrk="1" latinLnBrk="0" hangingPunct="1"/>
             <a:r>
-              <a:rPr kumimoji="0" lang="en-US" smtClean="0"/>
+              <a:rPr kumimoji="0" lang="en-US"/>
               <a:t>Click to edit Master text styles</a:t>
             </a:r>
           </a:p>
@@ -2167,35 +2173,35 @@
           <a:p>
             <a:pPr lvl="0" eaLnBrk="1" latinLnBrk="0" hangingPunct="1"/>
             <a:r>
-              <a:rPr lang="en-US" smtClean="0"/>
+              <a:rPr lang="en-US"/>
               <a:t>Click to edit Master text styles</a:t>
             </a:r>
           </a:p>
           <a:p>
             <a:pPr lvl="1" eaLnBrk="1" latinLnBrk="0" hangingPunct="1"/>
             <a:r>
-              <a:rPr lang="en-US" smtClean="0"/>
+              <a:rPr lang="en-US"/>
               <a:t>Second level</a:t>
             </a:r>
           </a:p>
           <a:p>
             <a:pPr lvl="2" eaLnBrk="1" latinLnBrk="0" hangingPunct="1"/>
             <a:r>
-              <a:rPr lang="en-US" smtClean="0"/>
+              <a:rPr lang="en-US"/>
               <a:t>Third level</a:t>
             </a:r>
           </a:p>
           <a:p>
             <a:pPr lvl="3" eaLnBrk="1" latinLnBrk="0" hangingPunct="1"/>
             <a:r>
-              <a:rPr lang="en-US" smtClean="0"/>
+              <a:rPr lang="en-US"/>
               <a:t>Fourth level</a:t>
             </a:r>
           </a:p>
           <a:p>
             <a:pPr lvl="4" eaLnBrk="1" latinLnBrk="0" hangingPunct="1"/>
             <a:r>
-              <a:rPr lang="en-US" smtClean="0"/>
+              <a:rPr lang="en-US"/>
               <a:t>Fifth level</a:t>
             </a:r>
             <a:endParaRPr kumimoji="0" lang="en-US"/>
@@ -2220,7 +2226,7 @@
             <a:fld id="{1D8BD707-D9CF-40AE-B4C6-C98DA3205C09}" type="datetimeFigureOut">
               <a:rPr lang="en-US" smtClean="0"/>
               <a:pPr/>
-              <a:t>4/26/2020</a:t>
+              <a:t>12/5/2021</a:t>
             </a:fld>
             <a:endParaRPr lang="en-US"/>
           </a:p>
@@ -2436,10 +2442,9 @@
           </a:lstStyle>
           <a:p>
             <a:r>
-              <a:rPr kumimoji="0" lang="en-US" smtClean="0"/>
+              <a:rPr kumimoji="0" lang="en-US"/>
               <a:t>Click to edit Master title style</a:t>
             </a:r>
-            <a:endParaRPr kumimoji="0" lang="en-US"/>
           </a:p>
         </p:txBody>
       </p:sp>
@@ -2486,7 +2491,7 @@
           <a:p>
             <a:pPr lvl="0" eaLnBrk="1" latinLnBrk="0" hangingPunct="1"/>
             <a:r>
-              <a:rPr kumimoji="0" lang="en-US" smtClean="0"/>
+              <a:rPr kumimoji="0" lang="en-US"/>
               <a:t>Click to edit Master text styles</a:t>
             </a:r>
           </a:p>
@@ -2510,7 +2515,7 @@
             <a:fld id="{1D8BD707-D9CF-40AE-B4C6-C98DA3205C09}" type="datetimeFigureOut">
               <a:rPr lang="en-US" smtClean="0"/>
               <a:pPr/>
-              <a:t>4/26/2020</a:t>
+              <a:t>12/5/2021</a:t>
             </a:fld>
             <a:endParaRPr lang="en-US"/>
           </a:p>
@@ -2603,7 +2608,7 @@
           </a:lstStyle>
           <a:p>
             <a:r>
-              <a:rPr kumimoji="0" lang="en-US" smtClean="0"/>
+              <a:rPr kumimoji="0" lang="en-US"/>
               <a:t>Click icon to add picture</a:t>
             </a:r>
             <a:endParaRPr kumimoji="0" lang="en-US" dirty="0"/>
@@ -3178,10 +3183,9 @@
           <a:lstStyle/>
           <a:p>
             <a:r>
-              <a:rPr kumimoji="0" lang="en-US" smtClean="0"/>
+              <a:rPr kumimoji="0" lang="en-US"/>
               <a:t>Click to edit Master title style</a:t>
             </a:r>
-            <a:endParaRPr kumimoji="0" lang="en-US"/>
           </a:p>
         </p:txBody>
       </p:sp>
@@ -3212,38 +3216,37 @@
           <a:p>
             <a:pPr lvl="0" eaLnBrk="1" latinLnBrk="0" hangingPunct="1"/>
             <a:r>
-              <a:rPr kumimoji="0" lang="en-US" smtClean="0"/>
+              <a:rPr kumimoji="0" lang="en-US"/>
               <a:t>Click to edit Master text styles</a:t>
             </a:r>
           </a:p>
           <a:p>
             <a:pPr lvl="1" eaLnBrk="1" latinLnBrk="0" hangingPunct="1"/>
             <a:r>
-              <a:rPr kumimoji="0" lang="en-US" smtClean="0"/>
+              <a:rPr kumimoji="0" lang="en-US"/>
               <a:t>Second level</a:t>
             </a:r>
           </a:p>
           <a:p>
             <a:pPr lvl="2" eaLnBrk="1" latinLnBrk="0" hangingPunct="1"/>
             <a:r>
-              <a:rPr kumimoji="0" lang="en-US" smtClean="0"/>
+              <a:rPr kumimoji="0" lang="en-US"/>
               <a:t>Third level</a:t>
             </a:r>
           </a:p>
           <a:p>
             <a:pPr lvl="3" eaLnBrk="1" latinLnBrk="0" hangingPunct="1"/>
             <a:r>
-              <a:rPr kumimoji="0" lang="en-US" smtClean="0"/>
+              <a:rPr kumimoji="0" lang="en-US"/>
               <a:t>Fourth level</a:t>
             </a:r>
           </a:p>
           <a:p>
             <a:pPr lvl="4" eaLnBrk="1" latinLnBrk="0" hangingPunct="1"/>
             <a:r>
-              <a:rPr kumimoji="0" lang="en-US" smtClean="0"/>
+              <a:rPr kumimoji="0" lang="en-US"/>
               <a:t>Fifth level</a:t>
             </a:r>
-            <a:endParaRPr kumimoji="0" lang="en-US"/>
           </a:p>
         </p:txBody>
       </p:sp>
@@ -3283,7 +3286,7 @@
             <a:fld id="{1D8BD707-D9CF-40AE-B4C6-C98DA3205C09}" type="datetimeFigureOut">
               <a:rPr lang="en-US" smtClean="0"/>
               <a:pPr/>
-              <a:t>4/26/2020</a:t>
+              <a:t>12/5/2021</a:t>
             </a:fld>
             <a:endParaRPr lang="en-US"/>
           </a:p>
@@ -3910,8 +3913,8 @@
         </p:nvSpPr>
         <p:spPr>
           <a:xfrm>
-            <a:off x="902004" y="1318260"/>
-            <a:ext cx="5760085" cy="8219440"/>
+            <a:off x="806450" y="3060700"/>
+            <a:ext cx="5760085" cy="7013780"/>
           </a:xfrm>
           <a:prstGeom prst="rect">
             <a:avLst/>
@@ -3922,69 +3925,6 @@
             <a:spAutoFit/>
           </a:bodyPr>
           <a:lstStyle/>
-          <a:p>
-            <a:pPr marL="2356485" marR="1272540" indent="-1083945">
-              <a:lnSpc>
-                <a:spcPct val="155000"/>
-              </a:lnSpc>
-              <a:spcBef>
-                <a:spcPts val="100"/>
-              </a:spcBef>
-            </a:pPr>
-            <a:r>
-              <a:rPr lang="en-US" sz="2200" b="1" spc="-5" dirty="0" smtClean="0">
-                <a:latin typeface="Calibri"/>
-                <a:cs typeface="Calibri"/>
-              </a:rPr>
-              <a:t>10. 2</a:t>
-            </a:r>
-            <a:r>
-              <a:rPr sz="2200" b="1" spc="-5" dirty="0" smtClean="0">
-                <a:latin typeface="Calibri"/>
-                <a:cs typeface="Calibri"/>
-              </a:rPr>
-              <a:t>AWS </a:t>
-            </a:r>
-            <a:r>
-              <a:rPr sz="2200" b="1" spc="-5" dirty="0">
-                <a:latin typeface="Calibri"/>
-                <a:cs typeface="Calibri"/>
-              </a:rPr>
-              <a:t>Elastic Compute </a:t>
-            </a:r>
-            <a:r>
-              <a:rPr sz="2200" b="1" spc="-10" dirty="0">
-                <a:latin typeface="Calibri"/>
-                <a:cs typeface="Calibri"/>
-              </a:rPr>
-              <a:t>Cloud  </a:t>
-            </a:r>
-            <a:r>
-              <a:rPr sz="2200" b="1" spc="-5" dirty="0">
-                <a:latin typeface="Calibri"/>
-                <a:cs typeface="Calibri"/>
-              </a:rPr>
-              <a:t>AWS</a:t>
-            </a:r>
-            <a:r>
-              <a:rPr sz="2200" b="1" dirty="0">
-                <a:latin typeface="Calibri"/>
-                <a:cs typeface="Calibri"/>
-              </a:rPr>
-              <a:t> </a:t>
-            </a:r>
-            <a:r>
-              <a:rPr sz="2200" b="1" spc="-10" dirty="0">
-                <a:latin typeface="Calibri"/>
-                <a:cs typeface="Calibri"/>
-              </a:rPr>
-              <a:t>EC2</a:t>
-            </a:r>
-            <a:endParaRPr sz="2200" dirty="0">
-              <a:latin typeface="Calibri"/>
-              <a:cs typeface="Calibri"/>
-            </a:endParaRPr>
-          </a:p>
           <a:p>
             <a:pPr marL="12700" marR="5715" algn="just">
               <a:lnSpc>
@@ -4936,6 +4876,84 @@
               <a:t>four different  resources:</a:t>
             </a:r>
             <a:endParaRPr sz="1400" dirty="0">
+              <a:latin typeface="Calibri"/>
+              <a:cs typeface="Calibri"/>
+            </a:endParaRPr>
+          </a:p>
+        </p:txBody>
+      </p:sp>
+      <p:sp>
+        <p:nvSpPr>
+          <p:cNvPr id="4" name="TextBox 3">
+            <a:extLst>
+              <a:ext uri="{FF2B5EF4-FFF2-40B4-BE49-F238E27FC236}">
+                <a16:creationId xmlns:a16="http://schemas.microsoft.com/office/drawing/2014/main" id="{4FB17DE3-34EF-4996-A555-60D9CF687D1E}"/>
+              </a:ext>
+            </a:extLst>
+          </p:cNvPr>
+          <p:cNvSpPr txBox="1"/>
+          <p:nvPr/>
+        </p:nvSpPr>
+        <p:spPr>
+          <a:xfrm>
+            <a:off x="-862171" y="1536700"/>
+            <a:ext cx="9280842" cy="688009"/>
+          </a:xfrm>
+          <a:prstGeom prst="rect">
+            <a:avLst/>
+          </a:prstGeom>
+          <a:noFill/>
+        </p:spPr>
+        <p:txBody>
+          <a:bodyPr wrap="square">
+            <a:spAutoFit/>
+          </a:bodyPr>
+          <a:lstStyle/>
+          <a:p>
+            <a:pPr marL="2356485" marR="1272540" indent="-1083945" algn="ctr">
+              <a:lnSpc>
+                <a:spcPct val="155000"/>
+              </a:lnSpc>
+              <a:spcBef>
+                <a:spcPts val="100"/>
+              </a:spcBef>
+            </a:pPr>
+            <a:r>
+              <a:rPr lang="en-US" sz="2800" b="1" spc="-5" dirty="0">
+                <a:latin typeface="Calibri"/>
+                <a:cs typeface="Calibri"/>
+              </a:rPr>
+              <a:t>10.2 AWS Elastic Compute </a:t>
+            </a:r>
+            <a:r>
+              <a:rPr lang="en-US" sz="2800" b="1" spc="-10" dirty="0">
+                <a:latin typeface="Calibri"/>
+                <a:cs typeface="Calibri"/>
+              </a:rPr>
+              <a:t>Cloud  </a:t>
+            </a:r>
+            <a:r>
+              <a:rPr lang="en-US" sz="2800" b="1" spc="-5" dirty="0">
+                <a:latin typeface="Calibri"/>
+                <a:cs typeface="Calibri"/>
+              </a:rPr>
+              <a:t>AWS</a:t>
+            </a:r>
+            <a:r>
+              <a:rPr lang="en-US" sz="2800" b="1" dirty="0">
+                <a:latin typeface="Calibri"/>
+                <a:cs typeface="Calibri"/>
+              </a:rPr>
+              <a:t> </a:t>
+            </a:r>
+            <a:r>
+              <a:rPr lang="en-US" sz="2800" b="1" spc="-10" dirty="0">
+                <a:latin typeface="Calibri"/>
+                <a:cs typeface="Calibri"/>
+              </a:rPr>
+              <a:t>EC2</a:t>
+            </a:r>
+            <a:endParaRPr lang="en-US" sz="2800" dirty="0">
               <a:latin typeface="Calibri"/>
               <a:cs typeface="Calibri"/>
             </a:endParaRPr>
@@ -5014,7 +5032,7 @@
               </a:rPr>
               <a:t>Import/Export</a:t>
             </a:r>
-            <a:endParaRPr sz="1600">
+            <a:endParaRPr sz="1600" dirty="0">
               <a:latin typeface="Calibri"/>
               <a:cs typeface="Calibri"/>
             </a:endParaRPr>
@@ -5280,10 +5298,6 @@
               </a:rPr>
               <a:t>AMIs.</a:t>
             </a:r>
-            <a:endParaRPr sz="1400">
-              <a:latin typeface="Calibri"/>
-              <a:cs typeface="Calibri"/>
-            </a:endParaRPr>
           </a:p>
           <a:p>
             <a:pPr marL="240665" marR="5080" algn="just">
@@ -5371,7 +5385,7 @@
               </a:rPr>
               <a:t>formats.</a:t>
             </a:r>
-            <a:endParaRPr sz="1400">
+            <a:endParaRPr sz="1400" dirty="0">
               <a:latin typeface="Calibri"/>
               <a:cs typeface="Calibri"/>
             </a:endParaRPr>
@@ -5539,7 +5553,7 @@
               </a:rPr>
               <a:t>Instance.</a:t>
             </a:r>
-            <a:endParaRPr sz="1400">
+            <a:endParaRPr sz="1400" dirty="0">
               <a:latin typeface="Calibri"/>
               <a:cs typeface="Calibri"/>
             </a:endParaRPr>
@@ -5550,7 +5564,7 @@
                 <a:spcPct val="100000"/>
               </a:lnSpc>
             </a:pPr>
-            <a:endParaRPr sz="1400">
+            <a:endParaRPr sz="1400" dirty="0">
               <a:latin typeface="Calibri"/>
               <a:cs typeface="Calibri"/>
             </a:endParaRPr>
@@ -5564,7 +5578,7 @@
                 <a:spcPts val="10"/>
               </a:spcBef>
             </a:pPr>
-            <a:endParaRPr sz="2050">
+            <a:endParaRPr sz="2050" dirty="0">
               <a:latin typeface="Calibri"/>
               <a:cs typeface="Calibri"/>
             </a:endParaRPr>
@@ -5587,7 +5601,7 @@
               </a:rPr>
               <a:t>Bootstrapping:</a:t>
             </a:r>
-            <a:endParaRPr sz="1600">
+            <a:endParaRPr sz="1600" dirty="0">
               <a:latin typeface="Calibri"/>
               <a:cs typeface="Calibri"/>
             </a:endParaRPr>
@@ -5866,7 +5880,7 @@
               </a:rPr>
               <a:t>text.</a:t>
             </a:r>
-            <a:endParaRPr sz="1400">
+            <a:endParaRPr sz="1400" dirty="0">
               <a:latin typeface="Calibri"/>
               <a:cs typeface="Calibri"/>
             </a:endParaRPr>
@@ -5992,7 +6006,7 @@
               </a:rPr>
               <a:t>bootstrapping.</a:t>
             </a:r>
-            <a:endParaRPr sz="1400">
+            <a:endParaRPr sz="1400" dirty="0">
               <a:latin typeface="Calibri"/>
               <a:cs typeface="Calibri"/>
             </a:endParaRPr>
@@ -6181,7 +6195,7 @@
               </a:rPr>
               <a:t>launch.</a:t>
             </a:r>
-            <a:endParaRPr sz="1400">
+            <a:endParaRPr sz="1400" dirty="0">
               <a:latin typeface="Calibri"/>
               <a:cs typeface="Calibri"/>
             </a:endParaRPr>
@@ -6192,7 +6206,7 @@
                 <a:spcPct val="100000"/>
               </a:lnSpc>
             </a:pPr>
-            <a:endParaRPr sz="1400">
+            <a:endParaRPr sz="1400" dirty="0">
               <a:latin typeface="Calibri"/>
               <a:cs typeface="Calibri"/>
             </a:endParaRPr>
@@ -6206,7 +6220,7 @@
                 <a:spcPts val="5"/>
               </a:spcBef>
             </a:pPr>
-            <a:endParaRPr sz="2050">
+            <a:endParaRPr sz="2050" dirty="0">
               <a:latin typeface="Calibri"/>
               <a:cs typeface="Calibri"/>
             </a:endParaRPr>
@@ -6273,10 +6287,6 @@
               </a:rPr>
               <a:t>:</a:t>
             </a:r>
-            <a:endParaRPr sz="1400">
-              <a:latin typeface="Calibri"/>
-              <a:cs typeface="Calibri"/>
-            </a:endParaRPr>
           </a:p>
           <a:p>
             <a:pPr marL="240665" marR="6350" algn="just">
@@ -6434,7 +6444,7 @@
               </a:rPr>
               <a:t>.</a:t>
             </a:r>
-            <a:endParaRPr sz="1400">
+            <a:endParaRPr sz="1400" dirty="0">
               <a:latin typeface="Calibri"/>
               <a:cs typeface="Calibri"/>
             </a:endParaRPr>
@@ -6498,7 +6508,7 @@
               </a:rPr>
               <a:t>AWS:</a:t>
             </a:r>
-            <a:endParaRPr sz="1400">
+            <a:endParaRPr sz="1400" dirty="0">
               <a:latin typeface="Calibri"/>
               <a:cs typeface="Calibri"/>
             </a:endParaRPr>
@@ -6566,10 +6576,6 @@
               </a:rPr>
               <a:t>SSD</a:t>
             </a:r>
-            <a:endParaRPr sz="1400">
-              <a:latin typeface="Calibri"/>
-              <a:cs typeface="Calibri"/>
-            </a:endParaRPr>
           </a:p>
           <a:p>
             <a:pPr marL="241300" indent="-228600">
@@ -6612,10 +6618,6 @@
               </a:rPr>
               <a:t>SSD</a:t>
             </a:r>
-            <a:endParaRPr sz="1400">
-              <a:latin typeface="Calibri"/>
-              <a:cs typeface="Calibri"/>
-            </a:endParaRPr>
           </a:p>
           <a:p>
             <a:pPr marL="241300" indent="-228600">
@@ -6651,7 +6653,7 @@
               </a:rPr>
               <a:t>Volumes</a:t>
             </a:r>
-            <a:endParaRPr sz="1400">
+            <a:endParaRPr sz="1400" dirty="0">
               <a:latin typeface="Calibri"/>
               <a:cs typeface="Calibri"/>
             </a:endParaRPr>
@@ -6677,10 +6679,34 @@
                 <a:tableStyleId>{2D5ABB26-0587-4C30-8999-92F81FD0307C}</a:tableStyleId>
               </a:tblPr>
               <a:tblGrid>
-                <a:gridCol w="1373505"/>
-                <a:gridCol w="1543050"/>
-                <a:gridCol w="1615440"/>
-                <a:gridCol w="1561464"/>
+                <a:gridCol w="1373505">
+                  <a:extLst>
+                    <a:ext uri="{9D8B030D-6E8A-4147-A177-3AD203B41FA5}">
+                      <a16:colId xmlns:a16="http://schemas.microsoft.com/office/drawing/2014/main" val="20000"/>
+                    </a:ext>
+                  </a:extLst>
+                </a:gridCol>
+                <a:gridCol w="1543050">
+                  <a:extLst>
+                    <a:ext uri="{9D8B030D-6E8A-4147-A177-3AD203B41FA5}">
+                      <a16:colId xmlns:a16="http://schemas.microsoft.com/office/drawing/2014/main" val="20001"/>
+                    </a:ext>
+                  </a:extLst>
+                </a:gridCol>
+                <a:gridCol w="1615440">
+                  <a:extLst>
+                    <a:ext uri="{9D8B030D-6E8A-4147-A177-3AD203B41FA5}">
+                      <a16:colId xmlns:a16="http://schemas.microsoft.com/office/drawing/2014/main" val="20002"/>
+                    </a:ext>
+                  </a:extLst>
+                </a:gridCol>
+                <a:gridCol w="1561464">
+                  <a:extLst>
+                    <a:ext uri="{9D8B030D-6E8A-4147-A177-3AD203B41FA5}">
+                      <a16:colId xmlns:a16="http://schemas.microsoft.com/office/drawing/2014/main" val="20003"/>
+                    </a:ext>
+                  </a:extLst>
+                </a:gridCol>
               </a:tblGrid>
               <a:tr h="251460">
                 <a:tc>
@@ -6887,6 +6913,11 @@
                     </a:solidFill>
                   </a:tcPr>
                 </a:tc>
+                <a:extLst>
+                  <a:ext uri="{0D108BD9-81ED-4DB2-BD59-A6C34878D82A}">
+                    <a16:rowId xmlns:a16="http://schemas.microsoft.com/office/drawing/2014/main" val="10000"/>
+                  </a:ext>
+                </a:extLst>
               </a:tr>
             </a:tbl>
           </a:graphicData>
@@ -6936,10 +6967,34 @@
                 <a:tableStyleId>{2D5ABB26-0587-4C30-8999-92F81FD0307C}</a:tableStyleId>
               </a:tblPr>
               <a:tblGrid>
-                <a:gridCol w="1271270"/>
-                <a:gridCol w="1645920"/>
-                <a:gridCol w="1592580"/>
-                <a:gridCol w="1585595"/>
+                <a:gridCol w="1271270">
+                  <a:extLst>
+                    <a:ext uri="{9D8B030D-6E8A-4147-A177-3AD203B41FA5}">
+                      <a16:colId xmlns:a16="http://schemas.microsoft.com/office/drawing/2014/main" val="20000"/>
+                    </a:ext>
+                  </a:extLst>
+                </a:gridCol>
+                <a:gridCol w="1645920">
+                  <a:extLst>
+                    <a:ext uri="{9D8B030D-6E8A-4147-A177-3AD203B41FA5}">
+                      <a16:colId xmlns:a16="http://schemas.microsoft.com/office/drawing/2014/main" val="20001"/>
+                    </a:ext>
+                  </a:extLst>
+                </a:gridCol>
+                <a:gridCol w="1592580">
+                  <a:extLst>
+                    <a:ext uri="{9D8B030D-6E8A-4147-A177-3AD203B41FA5}">
+                      <a16:colId xmlns:a16="http://schemas.microsoft.com/office/drawing/2014/main" val="20002"/>
+                    </a:ext>
+                  </a:extLst>
+                </a:gridCol>
+                <a:gridCol w="1585595">
+                  <a:extLst>
+                    <a:ext uri="{9D8B030D-6E8A-4147-A177-3AD203B41FA5}">
+                      <a16:colId xmlns:a16="http://schemas.microsoft.com/office/drawing/2014/main" val="20003"/>
+                    </a:ext>
+                  </a:extLst>
+                </a:gridCol>
               </a:tblGrid>
               <a:tr h="254762">
                 <a:tc gridSpan="4">
@@ -6965,7 +7020,7 @@
                         </a:rPr>
                         <a:t>SSD	SSD</a:t>
                       </a:r>
-                      <a:endParaRPr sz="1600">
+                      <a:endParaRPr sz="1600" dirty="0">
                         <a:latin typeface="Calibri"/>
                         <a:cs typeface="Calibri"/>
                       </a:endParaRPr>
@@ -7025,6 +7080,11 @@
                   </a:txBody>
                   <a:tcPr marL="0" marR="0" marT="0" marB="0"/>
                 </a:tc>
+                <a:extLst>
+                  <a:ext uri="{0D108BD9-81ED-4DB2-BD59-A6C34878D82A}">
+                    <a16:rowId xmlns:a16="http://schemas.microsoft.com/office/drawing/2014/main" val="10000"/>
+                  </a:ext>
+                </a:extLst>
               </a:tr>
               <a:tr h="254507">
                 <a:tc>
@@ -7236,6 +7296,11 @@
                     </a:lnB>
                   </a:tcPr>
                 </a:tc>
+                <a:extLst>
+                  <a:ext uri="{0D108BD9-81ED-4DB2-BD59-A6C34878D82A}">
+                    <a16:rowId xmlns:a16="http://schemas.microsoft.com/office/drawing/2014/main" val="10001"/>
+                  </a:ext>
+                </a:extLst>
               </a:tr>
               <a:tr h="874776">
                 <a:tc>
@@ -7615,6 +7680,11 @@
                     </a:lnB>
                   </a:tcPr>
                 </a:tc>
+                <a:extLst>
+                  <a:ext uri="{0D108BD9-81ED-4DB2-BD59-A6C34878D82A}">
+                    <a16:rowId xmlns:a16="http://schemas.microsoft.com/office/drawing/2014/main" val="10002"/>
+                  </a:ext>
+                </a:extLst>
               </a:tr>
               <a:tr h="440436">
                 <a:tc gridSpan="4">
@@ -7655,7 +7725,7 @@
                         </a:rPr>
                         <a:t>be</a:t>
                       </a:r>
-                      <a:endParaRPr sz="1400">
+                      <a:endParaRPr sz="1400" dirty="0">
                         <a:latin typeface="Calibri"/>
                         <a:cs typeface="Calibri"/>
                       </a:endParaRPr>
@@ -7676,7 +7746,7 @@
                         </a:rPr>
                         <a:t>implemented</a:t>
                       </a:r>
-                      <a:endParaRPr sz="1400">
+                      <a:endParaRPr sz="1400" dirty="0">
                         <a:latin typeface="Calibri"/>
                         <a:cs typeface="Calibri"/>
                       </a:endParaRPr>
@@ -7739,6 +7809,11 @@
                   </a:txBody>
                   <a:tcPr marL="0" marR="0" marT="0" marB="0"/>
                 </a:tc>
+                <a:extLst>
+                  <a:ext uri="{0D108BD9-81ED-4DB2-BD59-A6C34878D82A}">
+                    <a16:rowId xmlns:a16="http://schemas.microsoft.com/office/drawing/2014/main" val="10003"/>
+                  </a:ext>
+                </a:extLst>
               </a:tr>
               <a:tr h="875156">
                 <a:tc>
@@ -8140,6 +8215,11 @@
                     </a:lnB>
                   </a:tcPr>
                 </a:tc>
+                <a:extLst>
+                  <a:ext uri="{0D108BD9-81ED-4DB2-BD59-A6C34878D82A}">
+                    <a16:rowId xmlns:a16="http://schemas.microsoft.com/office/drawing/2014/main" val="10004"/>
+                  </a:ext>
+                </a:extLst>
               </a:tr>
               <a:tr h="202692">
                 <a:tc gridSpan="4">
@@ -8215,6 +8295,11 @@
                   </a:txBody>
                   <a:tcPr marL="0" marR="0" marT="0" marB="0"/>
                 </a:tc>
+                <a:extLst>
+                  <a:ext uri="{0D108BD9-81ED-4DB2-BD59-A6C34878D82A}">
+                    <a16:rowId xmlns:a16="http://schemas.microsoft.com/office/drawing/2014/main" val="10005"/>
+                  </a:ext>
+                </a:extLst>
               </a:tr>
               <a:tr h="254507">
                 <a:tc>
@@ -8418,6 +8503,11 @@
                     </a:lnB>
                   </a:tcPr>
                 </a:tc>
+                <a:extLst>
+                  <a:ext uri="{0D108BD9-81ED-4DB2-BD59-A6C34878D82A}">
+                    <a16:rowId xmlns:a16="http://schemas.microsoft.com/office/drawing/2014/main" val="10006"/>
+                  </a:ext>
+                </a:extLst>
               </a:tr>
               <a:tr h="202692">
                 <a:tc gridSpan="4">
@@ -8493,6 +8583,11 @@
                   </a:txBody>
                   <a:tcPr marL="0" marR="0" marT="0" marB="0"/>
                 </a:tc>
+                <a:extLst>
+                  <a:ext uri="{0D108BD9-81ED-4DB2-BD59-A6C34878D82A}">
+                    <a16:rowId xmlns:a16="http://schemas.microsoft.com/office/drawing/2014/main" val="10007"/>
+                  </a:ext>
+                </a:extLst>
               </a:tr>
               <a:tr h="254507">
                 <a:tc>
@@ -8711,7 +8806,7 @@
                         </a:rPr>
                         <a:t>TiB</a:t>
                       </a:r>
-                      <a:endParaRPr sz="1400">
+                      <a:endParaRPr sz="1400" dirty="0">
                         <a:latin typeface="Calibri"/>
                         <a:cs typeface="Calibri"/>
                       </a:endParaRPr>
@@ -8738,6 +8833,11 @@
                     </a:lnB>
                   </a:tcPr>
                 </a:tc>
+                <a:extLst>
+                  <a:ext uri="{0D108BD9-81ED-4DB2-BD59-A6C34878D82A}">
+                    <a16:rowId xmlns:a16="http://schemas.microsoft.com/office/drawing/2014/main" val="10008"/>
+                  </a:ext>
+                </a:extLst>
               </a:tr>
             </a:tbl>
           </a:graphicData>
@@ -8779,7 +8879,7 @@
               </a:rPr>
               <a:t>Snapshots:</a:t>
             </a:r>
-            <a:endParaRPr sz="1600">
+            <a:endParaRPr sz="1600" dirty="0">
               <a:latin typeface="Calibri"/>
               <a:cs typeface="Calibri"/>
             </a:endParaRPr>
@@ -9087,7 +9187,7 @@
               </a:rPr>
               <a:t>encrypted.</a:t>
             </a:r>
-            <a:endParaRPr sz="1400">
+            <a:endParaRPr sz="1400" dirty="0">
               <a:latin typeface="Calibri"/>
               <a:cs typeface="Calibri"/>
             </a:endParaRPr>
@@ -10015,7 +10115,7 @@
               </a:rPr>
               <a:t>accounts.</a:t>
             </a:r>
-            <a:endParaRPr sz="1400">
+            <a:endParaRPr sz="1400" dirty="0">
               <a:latin typeface="Calibri"/>
               <a:cs typeface="Calibri"/>
             </a:endParaRPr>
@@ -10171,10 +10271,6 @@
               </a:rPr>
               <a:t>AMIs.</a:t>
             </a:r>
-            <a:endParaRPr sz="1400">
-              <a:latin typeface="Calibri"/>
-              <a:cs typeface="Calibri"/>
-            </a:endParaRPr>
           </a:p>
           <a:p>
             <a:pPr marL="12700">
@@ -10255,7 +10351,7 @@
               </a:rPr>
               <a:t>regularly.</a:t>
             </a:r>
-            <a:endParaRPr sz="1400">
+            <a:endParaRPr sz="1400" dirty="0">
               <a:latin typeface="Calibri"/>
               <a:cs typeface="Calibri"/>
             </a:endParaRPr>
@@ -10271,7 +10367,7 @@
         <p:spPr>
           <a:xfrm>
             <a:off x="964488" y="6400800"/>
-            <a:ext cx="5697220" cy="3670300"/>
+            <a:ext cx="5697220" cy="3033907"/>
           </a:xfrm>
           <a:prstGeom prst="rect">
             <a:avLst/>
@@ -10382,7 +10478,7 @@
               </a:rPr>
               <a:t>etc.</a:t>
             </a:r>
-            <a:endParaRPr sz="1400">
+            <a:endParaRPr sz="1400" dirty="0">
               <a:latin typeface="Calibri"/>
               <a:cs typeface="Calibri"/>
             </a:endParaRPr>
@@ -10393,7 +10489,7 @@
                 <a:spcPct val="100000"/>
               </a:lnSpc>
             </a:pPr>
-            <a:endParaRPr sz="1400">
+            <a:endParaRPr sz="1400" dirty="0">
               <a:latin typeface="Calibri"/>
               <a:cs typeface="Calibri"/>
             </a:endParaRPr>
@@ -10407,7 +10503,7 @@
                 <a:spcPts val="15"/>
               </a:spcBef>
             </a:pPr>
-            <a:endParaRPr sz="1800">
+            <a:endParaRPr sz="1800" dirty="0">
               <a:latin typeface="Calibri"/>
               <a:cs typeface="Calibri"/>
             </a:endParaRPr>
@@ -10453,7 +10549,7 @@
               </a:rPr>
               <a:t>:</a:t>
             </a:r>
-            <a:endParaRPr sz="1600">
+            <a:endParaRPr sz="1600" dirty="0">
               <a:latin typeface="Calibri"/>
               <a:cs typeface="Calibri"/>
             </a:endParaRPr>
@@ -10670,126 +10766,7 @@
               </a:rPr>
               <a:t>resources.</a:t>
             </a:r>
-            <a:endParaRPr sz="1400">
-              <a:latin typeface="Calibri"/>
-              <a:cs typeface="Calibri"/>
-            </a:endParaRPr>
-          </a:p>
-          <a:p>
-            <a:pPr marL="407034" marR="7620" algn="just">
-              <a:lnSpc>
-                <a:spcPct val="117100"/>
-              </a:lnSpc>
-              <a:spcBef>
-                <a:spcPts val="985"/>
-              </a:spcBef>
-            </a:pPr>
-            <a:r>
-              <a:rPr sz="1400" spc="-5" dirty="0">
-                <a:latin typeface="Calibri"/>
-                <a:cs typeface="Calibri"/>
-              </a:rPr>
-              <a:t>In </a:t>
-            </a:r>
-            <a:r>
-              <a:rPr sz="1400" dirty="0">
-                <a:latin typeface="Calibri"/>
-                <a:cs typeface="Calibri"/>
-              </a:rPr>
-              <a:t>AWS </a:t>
-            </a:r>
-            <a:r>
-              <a:rPr sz="1400" spc="-5" dirty="0">
-                <a:latin typeface="Calibri"/>
-                <a:cs typeface="Calibri"/>
-              </a:rPr>
-              <a:t>EC2 service </a:t>
-            </a:r>
-            <a:r>
-              <a:rPr sz="1400" dirty="0">
-                <a:latin typeface="Calibri"/>
-                <a:cs typeface="Calibri"/>
-              </a:rPr>
-              <a:t>various </a:t>
-            </a:r>
-            <a:r>
-              <a:rPr sz="1400" spc="-5" dirty="0">
-                <a:latin typeface="Calibri"/>
-                <a:cs typeface="Calibri"/>
-              </a:rPr>
-              <a:t>combination of </a:t>
-            </a:r>
-            <a:r>
-              <a:rPr sz="1400" dirty="0">
-                <a:latin typeface="Calibri"/>
-                <a:cs typeface="Calibri"/>
-              </a:rPr>
-              <a:t>instance resources are  </a:t>
-            </a:r>
-            <a:r>
-              <a:rPr sz="1400" spc="-5" dirty="0">
-                <a:latin typeface="Calibri"/>
-                <a:cs typeface="Calibri"/>
-              </a:rPr>
-              <a:t>provided which </a:t>
-            </a:r>
-            <a:r>
-              <a:rPr sz="1400" dirty="0">
-                <a:latin typeface="Calibri"/>
-                <a:cs typeface="Calibri"/>
-              </a:rPr>
-              <a:t>are </a:t>
-            </a:r>
-            <a:r>
-              <a:rPr sz="1400" spc="-5" dirty="0">
-                <a:latin typeface="Calibri"/>
-                <a:cs typeface="Calibri"/>
-              </a:rPr>
-              <a:t>categorized </a:t>
-            </a:r>
-            <a:r>
-              <a:rPr sz="1400" dirty="0">
-                <a:latin typeface="Calibri"/>
-                <a:cs typeface="Calibri"/>
-              </a:rPr>
-              <a:t>in </a:t>
-            </a:r>
-            <a:r>
-              <a:rPr sz="1400" spc="-5" dirty="0">
-                <a:latin typeface="Calibri"/>
-                <a:cs typeface="Calibri"/>
-              </a:rPr>
-              <a:t>instance </a:t>
-            </a:r>
-            <a:r>
-              <a:rPr sz="1400" dirty="0">
-                <a:latin typeface="Calibri"/>
-                <a:cs typeface="Calibri"/>
-              </a:rPr>
-              <a:t>types. You </a:t>
-            </a:r>
-            <a:r>
-              <a:rPr sz="1400" spc="-5" dirty="0">
-                <a:latin typeface="Calibri"/>
-                <a:cs typeface="Calibri"/>
-              </a:rPr>
-              <a:t>can select</a:t>
-            </a:r>
-            <a:r>
-              <a:rPr sz="1400" spc="150" dirty="0">
-                <a:latin typeface="Calibri"/>
-                <a:cs typeface="Calibri"/>
-              </a:rPr>
-              <a:t> </a:t>
-            </a:r>
-            <a:r>
-              <a:rPr sz="1400" dirty="0">
-                <a:latin typeface="Calibri"/>
-                <a:cs typeface="Calibri"/>
-              </a:rPr>
-              <a:t>an</a:t>
-            </a:r>
-            <a:endParaRPr sz="1400">
+            <a:endParaRPr sz="1400" dirty="0">
               <a:latin typeface="Calibri"/>
               <a:cs typeface="Calibri"/>
             </a:endParaRPr>
@@ -10829,8 +10806,8 @@
         </p:nvSpPr>
         <p:spPr>
           <a:xfrm>
-            <a:off x="1359153" y="1422763"/>
-            <a:ext cx="5302885" cy="2151380"/>
+            <a:off x="768400" y="2146300"/>
+            <a:ext cx="5771897" cy="1637821"/>
           </a:xfrm>
           <a:prstGeom prst="rect">
             <a:avLst/>
@@ -10851,6 +10828,48 @@
               </a:spcBef>
             </a:pPr>
             <a:r>
+              <a:rPr lang="en-US" sz="1400" spc="-5">
+                <a:latin typeface="Calibri"/>
+                <a:cs typeface="Calibri"/>
+              </a:rPr>
+              <a:t>	</a:t>
+            </a:r>
+            <a:r>
+              <a:rPr lang="en-US" sz="1400">
+                <a:latin typeface="Calibri"/>
+                <a:cs typeface="Calibri"/>
+              </a:rPr>
+              <a:t>You </a:t>
+            </a:r>
+            <a:r>
+              <a:rPr lang="en-US" sz="1400" spc="-5" dirty="0">
+                <a:latin typeface="Calibri"/>
+                <a:cs typeface="Calibri"/>
+              </a:rPr>
+              <a:t>can select</a:t>
+            </a:r>
+            <a:r>
+              <a:rPr lang="en-US" sz="1400" spc="150" dirty="0">
+                <a:latin typeface="Calibri"/>
+                <a:cs typeface="Calibri"/>
+              </a:rPr>
+              <a:t> </a:t>
+            </a:r>
+            <a:r>
+              <a:rPr lang="en-US" sz="1400" dirty="0">
+                <a:latin typeface="Calibri"/>
+                <a:cs typeface="Calibri"/>
+              </a:rPr>
+              <a:t>an</a:t>
+            </a:r>
+            <a:r>
+              <a:rPr lang="en-US" sz="1400" spc="-5" dirty="0">
+                <a:latin typeface="Calibri"/>
+                <a:cs typeface="Calibri"/>
+              </a:rPr>
+              <a:t> </a:t>
+            </a:r>
+            <a:r>
               <a:rPr sz="1400" spc="-5" dirty="0">
                 <a:latin typeface="Calibri"/>
                 <a:cs typeface="Calibri"/>
@@ -11011,7 +11030,7 @@
               </a:rPr>
               <a:t>Linux.</a:t>
             </a:r>
-            <a:endParaRPr sz="1400">
+            <a:endParaRPr sz="1400" dirty="0">
               <a:latin typeface="Calibri"/>
               <a:cs typeface="Calibri"/>
             </a:endParaRPr>
@@ -11072,107 +11091,9 @@
                 <a:latin typeface="Calibri"/>
                 <a:cs typeface="Calibri"/>
               </a:rPr>
-              <a:t>types of combinations of CPU,  memory, storage and other resources. For in-depth idea about </a:t>
-            </a:r>
-            <a:r>
-              <a:rPr sz="1400" spc="-10" dirty="0">
-                <a:latin typeface="Calibri"/>
-                <a:cs typeface="Calibri"/>
-              </a:rPr>
-              <a:t>Instance  </a:t>
-            </a:r>
-            <a:r>
-              <a:rPr sz="1400" spc="-5" dirty="0">
-                <a:latin typeface="Calibri"/>
-                <a:cs typeface="Calibri"/>
-              </a:rPr>
-              <a:t>Type follow the description </a:t>
-            </a:r>
-            <a:r>
-              <a:rPr sz="1400" dirty="0">
-                <a:latin typeface="Calibri"/>
-                <a:cs typeface="Calibri"/>
-              </a:rPr>
-              <a:t>in </a:t>
-            </a:r>
-            <a:r>
-              <a:rPr sz="1400" spc="-5" dirty="0">
-                <a:latin typeface="Calibri"/>
-                <a:cs typeface="Calibri"/>
-              </a:rPr>
-              <a:t>tabular </a:t>
-            </a:r>
-            <a:r>
-              <a:rPr sz="1400" dirty="0">
-                <a:latin typeface="Calibri"/>
-                <a:cs typeface="Calibri"/>
-              </a:rPr>
-              <a:t>form, </a:t>
-            </a:r>
-            <a:r>
-              <a:rPr sz="1400" spc="-5" dirty="0">
-                <a:latin typeface="Calibri"/>
-                <a:cs typeface="Calibri"/>
-              </a:rPr>
-              <a:t>which </a:t>
-            </a:r>
-            <a:r>
-              <a:rPr sz="1400" dirty="0">
-                <a:latin typeface="Calibri"/>
-                <a:cs typeface="Calibri"/>
-              </a:rPr>
-              <a:t>would </a:t>
-            </a:r>
-            <a:r>
-              <a:rPr sz="1400" spc="-5" dirty="0">
-                <a:latin typeface="Calibri"/>
-                <a:cs typeface="Calibri"/>
-              </a:rPr>
-              <a:t>help </a:t>
-            </a:r>
-            <a:r>
-              <a:rPr sz="1400" dirty="0">
-                <a:latin typeface="Calibri"/>
-                <a:cs typeface="Calibri"/>
-              </a:rPr>
-              <a:t>you to  </a:t>
-            </a:r>
-            <a:r>
-              <a:rPr sz="1400" spc="-5" dirty="0">
-                <a:latin typeface="Calibri"/>
-                <a:cs typeface="Calibri"/>
-              </a:rPr>
-              <a:t>choose </a:t>
-            </a:r>
-            <a:r>
-              <a:rPr sz="1400" dirty="0">
-                <a:latin typeface="Calibri"/>
-                <a:cs typeface="Calibri"/>
-              </a:rPr>
-              <a:t>an </a:t>
-            </a:r>
-            <a:r>
-              <a:rPr sz="1400" spc="-5" dirty="0">
-                <a:latin typeface="Calibri"/>
-                <a:cs typeface="Calibri"/>
-              </a:rPr>
-              <a:t>appropriate combination of resources for your</a:t>
-            </a:r>
-            <a:r>
-              <a:rPr sz="1400" dirty="0">
-                <a:latin typeface="Calibri"/>
-                <a:cs typeface="Calibri"/>
-              </a:rPr>
-              <a:t> </a:t>
-            </a:r>
-            <a:r>
-              <a:rPr sz="1400" spc="-5" dirty="0">
-                <a:latin typeface="Calibri"/>
-                <a:cs typeface="Calibri"/>
-              </a:rPr>
-              <a:t>need.</a:t>
-            </a:r>
-            <a:endParaRPr sz="1400">
+              <a:t>types of combinations of CPU,  memory, storage and other resources. </a:t>
+            </a:r>
+            <a:endParaRPr sz="1400" dirty="0">
               <a:latin typeface="Calibri"/>
               <a:cs typeface="Calibri"/>
             </a:endParaRPr>
@@ -11187,8 +11108,8 @@
         </p:nvSpPr>
         <p:spPr>
           <a:xfrm>
-            <a:off x="902004" y="3965177"/>
-            <a:ext cx="2966720" cy="2418715"/>
+            <a:off x="902003" y="3965177"/>
+            <a:ext cx="5638293" cy="2418715"/>
           </a:xfrm>
           <a:prstGeom prst="rect">
             <a:avLst/>
@@ -11240,7 +11161,7 @@
               </a:rPr>
               <a:t>(t2)</a:t>
             </a:r>
-            <a:endParaRPr sz="1400">
+            <a:endParaRPr sz="1400" dirty="0">
               <a:latin typeface="Calibri"/>
               <a:cs typeface="Calibri"/>
             </a:endParaRPr>
@@ -11293,7 +11214,7 @@
               </a:rPr>
               <a:t>x1e)</a:t>
             </a:r>
-            <a:endParaRPr sz="1400">
+            <a:endParaRPr sz="1400" dirty="0">
               <a:latin typeface="Calibri"/>
               <a:cs typeface="Calibri"/>
             </a:endParaRPr>
@@ -11339,7 +11260,7 @@
               </a:rPr>
               <a:t>(p2)</a:t>
             </a:r>
-            <a:endParaRPr sz="1400">
+            <a:endParaRPr sz="1400" dirty="0">
               <a:latin typeface="Calibri"/>
               <a:cs typeface="Calibri"/>
             </a:endParaRPr>
@@ -11399,7 +11320,7 @@
               </a:rPr>
               <a:t>i3)</a:t>
             </a:r>
-            <a:endParaRPr sz="1400">
+            <a:endParaRPr sz="1400" dirty="0">
               <a:latin typeface="Calibri"/>
               <a:cs typeface="Calibri"/>
             </a:endParaRPr>
@@ -11438,10 +11359,6 @@
               </a:rPr>
               <a:t>(c5)</a:t>
             </a:r>
-            <a:endParaRPr sz="1400">
-              <a:latin typeface="Calibri"/>
-              <a:cs typeface="Calibri"/>
-            </a:endParaRPr>
           </a:p>
           <a:p>
             <a:pPr>
@@ -11449,7 +11366,7 @@
                 <a:spcPct val="100000"/>
               </a:lnSpc>
             </a:pPr>
-            <a:endParaRPr sz="1400">
+            <a:endParaRPr sz="1400" dirty="0">
               <a:latin typeface="Calibri"/>
               <a:cs typeface="Calibri"/>
             </a:endParaRPr>
@@ -11463,7 +11380,7 @@
                 <a:spcPts val="40"/>
               </a:spcBef>
             </a:pPr>
-            <a:endParaRPr sz="1800">
+            <a:endParaRPr sz="1800" dirty="0">
               <a:latin typeface="Calibri"/>
               <a:cs typeface="Calibri"/>
             </a:endParaRPr>
@@ -11498,7 +11415,7 @@
               </a:rPr>
               <a:t>Types:</a:t>
             </a:r>
-            <a:endParaRPr sz="1400">
+            <a:endParaRPr sz="1400" dirty="0">
               <a:latin typeface="Calibri"/>
               <a:cs typeface="Calibri"/>
             </a:endParaRPr>
@@ -11524,11 +11441,41 @@
                 <a:tableStyleId>{2D5ABB26-0587-4C30-8999-92F81FD0307C}</a:tableStyleId>
               </a:tblPr>
               <a:tblGrid>
-                <a:gridCol w="1056005"/>
-                <a:gridCol w="601344"/>
-                <a:gridCol w="1294130"/>
-                <a:gridCol w="1292224"/>
-                <a:gridCol w="1773554"/>
+                <a:gridCol w="1056005">
+                  <a:extLst>
+                    <a:ext uri="{9D8B030D-6E8A-4147-A177-3AD203B41FA5}">
+                      <a16:colId xmlns:a16="http://schemas.microsoft.com/office/drawing/2014/main" val="20000"/>
+                    </a:ext>
+                  </a:extLst>
+                </a:gridCol>
+                <a:gridCol w="601344">
+                  <a:extLst>
+                    <a:ext uri="{9D8B030D-6E8A-4147-A177-3AD203B41FA5}">
+                      <a16:colId xmlns:a16="http://schemas.microsoft.com/office/drawing/2014/main" val="20001"/>
+                    </a:ext>
+                  </a:extLst>
+                </a:gridCol>
+                <a:gridCol w="1294130">
+                  <a:extLst>
+                    <a:ext uri="{9D8B030D-6E8A-4147-A177-3AD203B41FA5}">
+                      <a16:colId xmlns:a16="http://schemas.microsoft.com/office/drawing/2014/main" val="20002"/>
+                    </a:ext>
+                  </a:extLst>
+                </a:gridCol>
+                <a:gridCol w="1292224">
+                  <a:extLst>
+                    <a:ext uri="{9D8B030D-6E8A-4147-A177-3AD203B41FA5}">
+                      <a16:colId xmlns:a16="http://schemas.microsoft.com/office/drawing/2014/main" val="20003"/>
+                    </a:ext>
+                  </a:extLst>
+                </a:gridCol>
+                <a:gridCol w="1773554">
+                  <a:extLst>
+                    <a:ext uri="{9D8B030D-6E8A-4147-A177-3AD203B41FA5}">
+                      <a16:colId xmlns:a16="http://schemas.microsoft.com/office/drawing/2014/main" val="20004"/>
+                    </a:ext>
+                  </a:extLst>
+                </a:gridCol>
               </a:tblGrid>
               <a:tr h="440435">
                 <a:tc>
@@ -11839,6 +11786,11 @@
                     </a:solidFill>
                   </a:tcPr>
                 </a:tc>
+                <a:extLst>
+                  <a:ext uri="{0D108BD9-81ED-4DB2-BD59-A6C34878D82A}">
+                    <a16:rowId xmlns:a16="http://schemas.microsoft.com/office/drawing/2014/main" val="10000"/>
+                  </a:ext>
+                </a:extLst>
               </a:tr>
               <a:tr h="224027">
                 <a:tc>
@@ -12073,6 +12025,11 @@
                     </a:solidFill>
                   </a:tcPr>
                 </a:tc>
+                <a:extLst>
+                  <a:ext uri="{0D108BD9-81ED-4DB2-BD59-A6C34878D82A}">
+                    <a16:rowId xmlns:a16="http://schemas.microsoft.com/office/drawing/2014/main" val="10001"/>
+                  </a:ext>
+                </a:extLst>
               </a:tr>
               <a:tr h="222504">
                 <a:tc>
@@ -12292,6 +12249,11 @@
                     </a:lnB>
                   </a:tcPr>
                 </a:tc>
+                <a:extLst>
+                  <a:ext uri="{0D108BD9-81ED-4DB2-BD59-A6C34878D82A}">
+                    <a16:rowId xmlns:a16="http://schemas.microsoft.com/office/drawing/2014/main" val="10002"/>
+                  </a:ext>
+                </a:extLst>
               </a:tr>
               <a:tr h="224027">
                 <a:tc>
@@ -12526,6 +12488,11 @@
                     </a:solidFill>
                   </a:tcPr>
                 </a:tc>
+                <a:extLst>
+                  <a:ext uri="{0D108BD9-81ED-4DB2-BD59-A6C34878D82A}">
+                    <a16:rowId xmlns:a16="http://schemas.microsoft.com/office/drawing/2014/main" val="10003"/>
+                  </a:ext>
+                </a:extLst>
               </a:tr>
               <a:tr h="222885">
                 <a:tc>
@@ -12745,6 +12712,11 @@
                     </a:lnB>
                   </a:tcPr>
                 </a:tc>
+                <a:extLst>
+                  <a:ext uri="{0D108BD9-81ED-4DB2-BD59-A6C34878D82A}">
+                    <a16:rowId xmlns:a16="http://schemas.microsoft.com/office/drawing/2014/main" val="10004"/>
+                  </a:ext>
+                </a:extLst>
               </a:tr>
               <a:tr h="224027">
                 <a:tc>
@@ -12979,6 +12951,11 @@
                     </a:solidFill>
                   </a:tcPr>
                 </a:tc>
+                <a:extLst>
+                  <a:ext uri="{0D108BD9-81ED-4DB2-BD59-A6C34878D82A}">
+                    <a16:rowId xmlns:a16="http://schemas.microsoft.com/office/drawing/2014/main" val="10005"/>
+                  </a:ext>
+                </a:extLst>
               </a:tr>
               <a:tr h="222504">
                 <a:tc>
@@ -13198,6 +13175,11 @@
                     </a:lnB>
                   </a:tcPr>
                 </a:tc>
+                <a:extLst>
+                  <a:ext uri="{0D108BD9-81ED-4DB2-BD59-A6C34878D82A}">
+                    <a16:rowId xmlns:a16="http://schemas.microsoft.com/office/drawing/2014/main" val="10006"/>
+                  </a:ext>
+                </a:extLst>
               </a:tr>
               <a:tr h="224028">
                 <a:tc>
@@ -13432,6 +13414,11 @@
                     </a:solidFill>
                   </a:tcPr>
                 </a:tc>
+                <a:extLst>
+                  <a:ext uri="{0D108BD9-81ED-4DB2-BD59-A6C34878D82A}">
+                    <a16:rowId xmlns:a16="http://schemas.microsoft.com/office/drawing/2014/main" val="10007"/>
+                  </a:ext>
+                </a:extLst>
               </a:tr>
               <a:tr h="196595">
                 <a:tc gridSpan="5">
@@ -13505,6 +13492,11 @@
                   </a:txBody>
                   <a:tcPr marL="0" marR="0" marT="0" marB="0"/>
                 </a:tc>
+                <a:extLst>
+                  <a:ext uri="{0D108BD9-81ED-4DB2-BD59-A6C34878D82A}">
+                    <a16:rowId xmlns:a16="http://schemas.microsoft.com/office/drawing/2014/main" val="10008"/>
+                  </a:ext>
+                </a:extLst>
               </a:tr>
               <a:tr h="440435">
                 <a:tc>
@@ -13876,6 +13868,11 @@
                     </a:solidFill>
                   </a:tcPr>
                 </a:tc>
+                <a:extLst>
+                  <a:ext uri="{0D108BD9-81ED-4DB2-BD59-A6C34878D82A}">
+                    <a16:rowId xmlns:a16="http://schemas.microsoft.com/office/drawing/2014/main" val="10009"/>
+                  </a:ext>
+                </a:extLst>
               </a:tr>
               <a:tr h="224028">
                 <a:tc>
@@ -14130,6 +14127,11 @@
                     </a:solidFill>
                   </a:tcPr>
                 </a:tc>
+                <a:extLst>
+                  <a:ext uri="{0D108BD9-81ED-4DB2-BD59-A6C34878D82A}">
+                    <a16:rowId xmlns:a16="http://schemas.microsoft.com/office/drawing/2014/main" val="10010"/>
+                  </a:ext>
+                </a:extLst>
               </a:tr>
               <a:tr h="222504">
                 <a:tc>
@@ -14369,6 +14371,11 @@
                     </a:lnB>
                   </a:tcPr>
                 </a:tc>
+                <a:extLst>
+                  <a:ext uri="{0D108BD9-81ED-4DB2-BD59-A6C34878D82A}">
+                    <a16:rowId xmlns:a16="http://schemas.microsoft.com/office/drawing/2014/main" val="10011"/>
+                  </a:ext>
+                </a:extLst>
               </a:tr>
               <a:tr h="224281">
                 <a:tc>
@@ -14623,6 +14630,11 @@
                     </a:solidFill>
                   </a:tcPr>
                 </a:tc>
+                <a:extLst>
+                  <a:ext uri="{0D108BD9-81ED-4DB2-BD59-A6C34878D82A}">
+                    <a16:rowId xmlns:a16="http://schemas.microsoft.com/office/drawing/2014/main" val="10012"/>
+                  </a:ext>
+                </a:extLst>
               </a:tr>
               <a:tr h="224027">
                 <a:tc>
@@ -14842,6 +14854,11 @@
                     </a:lnB>
                   </a:tcPr>
                 </a:tc>
+                <a:extLst>
+                  <a:ext uri="{0D108BD9-81ED-4DB2-BD59-A6C34878D82A}">
+                    <a16:rowId xmlns:a16="http://schemas.microsoft.com/office/drawing/2014/main" val="10013"/>
+                  </a:ext>
+                </a:extLst>
               </a:tr>
               <a:tr h="222504">
                 <a:tc>
@@ -15076,6 +15093,11 @@
                     </a:solidFill>
                   </a:tcPr>
                 </a:tc>
+                <a:extLst>
+                  <a:ext uri="{0D108BD9-81ED-4DB2-BD59-A6C34878D82A}">
+                    <a16:rowId xmlns:a16="http://schemas.microsoft.com/office/drawing/2014/main" val="10014"/>
+                  </a:ext>
+                </a:extLst>
               </a:tr>
             </a:tbl>
           </a:graphicData>
@@ -15125,11 +15147,41 @@
                 <a:tableStyleId>{2D5ABB26-0587-4C30-8999-92F81FD0307C}</a:tableStyleId>
               </a:tblPr>
               <a:tblGrid>
-                <a:gridCol w="1066165"/>
-                <a:gridCol w="639445"/>
-                <a:gridCol w="1129664"/>
-                <a:gridCol w="1475104"/>
-                <a:gridCol w="1710689"/>
+                <a:gridCol w="1066165">
+                  <a:extLst>
+                    <a:ext uri="{9D8B030D-6E8A-4147-A177-3AD203B41FA5}">
+                      <a16:colId xmlns:a16="http://schemas.microsoft.com/office/drawing/2014/main" val="20000"/>
+                    </a:ext>
+                  </a:extLst>
+                </a:gridCol>
+                <a:gridCol w="639445">
+                  <a:extLst>
+                    <a:ext uri="{9D8B030D-6E8A-4147-A177-3AD203B41FA5}">
+                      <a16:colId xmlns:a16="http://schemas.microsoft.com/office/drawing/2014/main" val="20001"/>
+                    </a:ext>
+                  </a:extLst>
+                </a:gridCol>
+                <a:gridCol w="1129664">
+                  <a:extLst>
+                    <a:ext uri="{9D8B030D-6E8A-4147-A177-3AD203B41FA5}">
+                      <a16:colId xmlns:a16="http://schemas.microsoft.com/office/drawing/2014/main" val="20002"/>
+                    </a:ext>
+                  </a:extLst>
+                </a:gridCol>
+                <a:gridCol w="1475104">
+                  <a:extLst>
+                    <a:ext uri="{9D8B030D-6E8A-4147-A177-3AD203B41FA5}">
+                      <a16:colId xmlns:a16="http://schemas.microsoft.com/office/drawing/2014/main" val="20003"/>
+                    </a:ext>
+                  </a:extLst>
+                </a:gridCol>
+                <a:gridCol w="1710689">
+                  <a:extLst>
+                    <a:ext uri="{9D8B030D-6E8A-4147-A177-3AD203B41FA5}">
+                      <a16:colId xmlns:a16="http://schemas.microsoft.com/office/drawing/2014/main" val="20004"/>
+                    </a:ext>
+                  </a:extLst>
+                </a:gridCol>
               </a:tblGrid>
               <a:tr h="224282">
                 <a:tc>
@@ -15349,6 +15401,11 @@
                     </a:lnB>
                   </a:tcPr>
                 </a:tc>
+                <a:extLst>
+                  <a:ext uri="{0D108BD9-81ED-4DB2-BD59-A6C34878D82A}">
+                    <a16:rowId xmlns:a16="http://schemas.microsoft.com/office/drawing/2014/main" val="10000"/>
+                  </a:ext>
+                </a:extLst>
               </a:tr>
               <a:tr h="196596">
                 <a:tc gridSpan="5">
@@ -15422,6 +15479,11 @@
                   </a:txBody>
                   <a:tcPr marL="0" marR="0" marT="0" marB="0"/>
                 </a:tc>
+                <a:extLst>
+                  <a:ext uri="{0D108BD9-81ED-4DB2-BD59-A6C34878D82A}">
+                    <a16:rowId xmlns:a16="http://schemas.microsoft.com/office/drawing/2014/main" val="10001"/>
+                  </a:ext>
+                </a:extLst>
               </a:tr>
               <a:tr h="440435">
                 <a:tc>
@@ -15793,6 +15855,11 @@
                     </a:solidFill>
                   </a:tcPr>
                 </a:tc>
+                <a:extLst>
+                  <a:ext uri="{0D108BD9-81ED-4DB2-BD59-A6C34878D82A}">
+                    <a16:rowId xmlns:a16="http://schemas.microsoft.com/office/drawing/2014/main" val="10002"/>
+                  </a:ext>
+                </a:extLst>
               </a:tr>
               <a:tr h="222503">
                 <a:tc>
@@ -16047,6 +16114,11 @@
                     </a:solidFill>
                   </a:tcPr>
                 </a:tc>
+                <a:extLst>
+                  <a:ext uri="{0D108BD9-81ED-4DB2-BD59-A6C34878D82A}">
+                    <a16:rowId xmlns:a16="http://schemas.microsoft.com/office/drawing/2014/main" val="10003"/>
+                  </a:ext>
+                </a:extLst>
               </a:tr>
               <a:tr h="224028">
                 <a:tc>
@@ -16286,6 +16358,11 @@
                     </a:lnB>
                   </a:tcPr>
                 </a:tc>
+                <a:extLst>
+                  <a:ext uri="{0D108BD9-81ED-4DB2-BD59-A6C34878D82A}">
+                    <a16:rowId xmlns:a16="http://schemas.microsoft.com/office/drawing/2014/main" val="10004"/>
+                  </a:ext>
+                </a:extLst>
               </a:tr>
               <a:tr h="222503">
                 <a:tc>
@@ -16540,6 +16617,11 @@
                     </a:solidFill>
                   </a:tcPr>
                 </a:tc>
+                <a:extLst>
+                  <a:ext uri="{0D108BD9-81ED-4DB2-BD59-A6C34878D82A}">
+                    <a16:rowId xmlns:a16="http://schemas.microsoft.com/office/drawing/2014/main" val="10005"/>
+                  </a:ext>
+                </a:extLst>
               </a:tr>
               <a:tr h="224028">
                 <a:tc>
@@ -16779,6 +16861,11 @@
                     </a:lnB>
                   </a:tcPr>
                 </a:tc>
+                <a:extLst>
+                  <a:ext uri="{0D108BD9-81ED-4DB2-BD59-A6C34878D82A}">
+                    <a16:rowId xmlns:a16="http://schemas.microsoft.com/office/drawing/2014/main" val="10006"/>
+                  </a:ext>
+                </a:extLst>
               </a:tr>
               <a:tr h="224027">
                 <a:tc>
@@ -17033,6 +17120,11 @@
                     </a:solidFill>
                   </a:tcPr>
                 </a:tc>
+                <a:extLst>
+                  <a:ext uri="{0D108BD9-81ED-4DB2-BD59-A6C34878D82A}">
+                    <a16:rowId xmlns:a16="http://schemas.microsoft.com/office/drawing/2014/main" val="10007"/>
+                  </a:ext>
+                </a:extLst>
               </a:tr>
               <a:tr h="222885">
                 <a:tc>
@@ -17272,6 +17364,11 @@
                     </a:lnB>
                   </a:tcPr>
                 </a:tc>
+                <a:extLst>
+                  <a:ext uri="{0D108BD9-81ED-4DB2-BD59-A6C34878D82A}">
+                    <a16:rowId xmlns:a16="http://schemas.microsoft.com/office/drawing/2014/main" val="10008"/>
+                  </a:ext>
+                </a:extLst>
               </a:tr>
               <a:tr h="196596">
                 <a:tc gridSpan="5">
@@ -17345,6 +17442,11 @@
                   </a:txBody>
                   <a:tcPr marL="0" marR="0" marT="0" marB="0"/>
                 </a:tc>
+                <a:extLst>
+                  <a:ext uri="{0D108BD9-81ED-4DB2-BD59-A6C34878D82A}">
+                    <a16:rowId xmlns:a16="http://schemas.microsoft.com/office/drawing/2014/main" val="10009"/>
+                  </a:ext>
+                </a:extLst>
               </a:tr>
               <a:tr h="440435">
                 <a:tc>
@@ -17704,6 +17806,11 @@
                     </a:solidFill>
                   </a:tcPr>
                 </a:tc>
+                <a:extLst>
+                  <a:ext uri="{0D108BD9-81ED-4DB2-BD59-A6C34878D82A}">
+                    <a16:rowId xmlns:a16="http://schemas.microsoft.com/office/drawing/2014/main" val="10010"/>
+                  </a:ext>
+                </a:extLst>
               </a:tr>
               <a:tr h="224028">
                 <a:tc>
@@ -17968,6 +18075,11 @@
                     </a:solidFill>
                   </a:tcPr>
                 </a:tc>
+                <a:extLst>
+                  <a:ext uri="{0D108BD9-81ED-4DB2-BD59-A6C34878D82A}">
+                    <a16:rowId xmlns:a16="http://schemas.microsoft.com/office/drawing/2014/main" val="10011"/>
+                  </a:ext>
+                </a:extLst>
               </a:tr>
               <a:tr h="224027">
                 <a:tc>
@@ -18217,6 +18329,11 @@
                     </a:lnB>
                   </a:tcPr>
                 </a:tc>
+                <a:extLst>
+                  <a:ext uri="{0D108BD9-81ED-4DB2-BD59-A6C34878D82A}">
+                    <a16:rowId xmlns:a16="http://schemas.microsoft.com/office/drawing/2014/main" val="10012"/>
+                  </a:ext>
+                </a:extLst>
               </a:tr>
               <a:tr h="222504">
                 <a:tc>
@@ -18481,6 +18598,11 @@
                     </a:solidFill>
                   </a:tcPr>
                 </a:tc>
+                <a:extLst>
+                  <a:ext uri="{0D108BD9-81ED-4DB2-BD59-A6C34878D82A}">
+                    <a16:rowId xmlns:a16="http://schemas.microsoft.com/office/drawing/2014/main" val="10013"/>
+                  </a:ext>
+                </a:extLst>
               </a:tr>
               <a:tr h="224028">
                 <a:tc>
@@ -18730,6 +18852,11 @@
                     </a:lnB>
                   </a:tcPr>
                 </a:tc>
+                <a:extLst>
+                  <a:ext uri="{0D108BD9-81ED-4DB2-BD59-A6C34878D82A}">
+                    <a16:rowId xmlns:a16="http://schemas.microsoft.com/office/drawing/2014/main" val="10014"/>
+                  </a:ext>
+                </a:extLst>
               </a:tr>
               <a:tr h="222503">
                 <a:tc>
@@ -18984,6 +19111,11 @@
                     </a:solidFill>
                   </a:tcPr>
                 </a:tc>
+                <a:extLst>
+                  <a:ext uri="{0D108BD9-81ED-4DB2-BD59-A6C34878D82A}">
+                    <a16:rowId xmlns:a16="http://schemas.microsoft.com/office/drawing/2014/main" val="10015"/>
+                  </a:ext>
+                </a:extLst>
               </a:tr>
               <a:tr h="224282">
                 <a:tc>
@@ -19223,6 +19355,11 @@
                     </a:lnB>
                   </a:tcPr>
                 </a:tc>
+                <a:extLst>
+                  <a:ext uri="{0D108BD9-81ED-4DB2-BD59-A6C34878D82A}">
+                    <a16:rowId xmlns:a16="http://schemas.microsoft.com/office/drawing/2014/main" val="10016"/>
+                  </a:ext>
+                </a:extLst>
               </a:tr>
               <a:tr h="196596">
                 <a:tc gridSpan="5">
@@ -19296,6 +19433,11 @@
                   </a:txBody>
                   <a:tcPr marL="0" marR="0" marT="0" marB="0"/>
                 </a:tc>
+                <a:extLst>
+                  <a:ext uri="{0D108BD9-81ED-4DB2-BD59-A6C34878D82A}">
+                    <a16:rowId xmlns:a16="http://schemas.microsoft.com/office/drawing/2014/main" val="10017"/>
+                  </a:ext>
+                </a:extLst>
               </a:tr>
               <a:tr h="224027">
                 <a:tc>
@@ -19580,6 +19722,11 @@
                     </a:solidFill>
                   </a:tcPr>
                 </a:tc>
+                <a:extLst>
+                  <a:ext uri="{0D108BD9-81ED-4DB2-BD59-A6C34878D82A}">
+                    <a16:rowId xmlns:a16="http://schemas.microsoft.com/office/drawing/2014/main" val="10018"/>
+                  </a:ext>
+                </a:extLst>
               </a:tr>
               <a:tr h="222504">
                 <a:tc>
@@ -19814,6 +19961,11 @@
                     </a:solidFill>
                   </a:tcPr>
                 </a:tc>
+                <a:extLst>
+                  <a:ext uri="{0D108BD9-81ED-4DB2-BD59-A6C34878D82A}">
+                    <a16:rowId xmlns:a16="http://schemas.microsoft.com/office/drawing/2014/main" val="10019"/>
+                  </a:ext>
+                </a:extLst>
               </a:tr>
               <a:tr h="224027">
                 <a:tc>
@@ -20033,6 +20185,11 @@
                     </a:lnB>
                   </a:tcPr>
                 </a:tc>
+                <a:extLst>
+                  <a:ext uri="{0D108BD9-81ED-4DB2-BD59-A6C34878D82A}">
+                    <a16:rowId xmlns:a16="http://schemas.microsoft.com/office/drawing/2014/main" val="10020"/>
+                  </a:ext>
+                </a:extLst>
               </a:tr>
               <a:tr h="224028">
                 <a:tc>
@@ -20267,6 +20424,11 @@
                     </a:solidFill>
                   </a:tcPr>
                 </a:tc>
+                <a:extLst>
+                  <a:ext uri="{0D108BD9-81ED-4DB2-BD59-A6C34878D82A}">
+                    <a16:rowId xmlns:a16="http://schemas.microsoft.com/office/drawing/2014/main" val="10021"/>
+                  </a:ext>
+                </a:extLst>
               </a:tr>
             </a:tbl>
           </a:graphicData>
@@ -20280,8 +20442,8 @@
         </p:nvSpPr>
         <p:spPr>
           <a:xfrm>
-            <a:off x="1130604" y="7233920"/>
-            <a:ext cx="5532120" cy="2608580"/>
+            <a:off x="768400" y="7233920"/>
+            <a:ext cx="6021067" cy="2601097"/>
           </a:xfrm>
           <a:prstGeom prst="rect">
             <a:avLst/>
@@ -20322,7 +20484,7 @@
               </a:rPr>
               <a:t>Groups</a:t>
             </a:r>
-            <a:endParaRPr sz="1600">
+            <a:endParaRPr sz="1600" dirty="0">
               <a:latin typeface="Calibri"/>
               <a:cs typeface="Calibri"/>
             </a:endParaRPr>
@@ -20728,7 +20890,7 @@
               </a:rPr>
               <a:t>rules.</a:t>
             </a:r>
-            <a:endParaRPr sz="1400">
+            <a:endParaRPr sz="1400" dirty="0">
               <a:latin typeface="Calibri"/>
               <a:cs typeface="Calibri"/>
             </a:endParaRPr>
@@ -21247,7 +21409,7 @@
               </a:rPr>
               <a:t>Pairs</a:t>
             </a:r>
-            <a:endParaRPr sz="1600">
+            <a:endParaRPr sz="1600" dirty="0">
               <a:latin typeface="Calibri"/>
               <a:cs typeface="Calibri"/>
             </a:endParaRPr>
@@ -21520,7 +21682,7 @@
               </a:rPr>
               <a:t> set.</a:t>
             </a:r>
-            <a:endParaRPr sz="1400">
+            <a:endParaRPr sz="1400" dirty="0">
               <a:latin typeface="Calibri"/>
               <a:cs typeface="Calibri"/>
             </a:endParaRPr>
@@ -21653,7 +21815,7 @@
               </a:rPr>
               <a:t>password.</a:t>
             </a:r>
-            <a:endParaRPr sz="1400">
+            <a:endParaRPr sz="1400" dirty="0">
               <a:latin typeface="Calibri"/>
               <a:cs typeface="Calibri"/>
             </a:endParaRPr>
@@ -21870,10 +22032,6 @@
               </a:rPr>
               <a:t>separate</a:t>
             </a:r>
-            <a:endParaRPr sz="1400">
-              <a:latin typeface="Calibri"/>
-              <a:cs typeface="Calibri"/>
-            </a:endParaRPr>
           </a:p>
         </p:txBody>
       </p:sp>
@@ -22235,8 +22393,20 @@
                 <a:tableStyleId>{2D5ABB26-0587-4C30-8999-92F81FD0307C}</a:tableStyleId>
               </a:tblPr>
               <a:tblGrid>
-                <a:gridCol w="2059305"/>
-                <a:gridCol w="3234690"/>
+                <a:gridCol w="2059305">
+                  <a:extLst>
+                    <a:ext uri="{9D8B030D-6E8A-4147-A177-3AD203B41FA5}">
+                      <a16:colId xmlns:a16="http://schemas.microsoft.com/office/drawing/2014/main" val="20000"/>
+                    </a:ext>
+                  </a:extLst>
+                </a:gridCol>
+                <a:gridCol w="3234690">
+                  <a:extLst>
+                    <a:ext uri="{9D8B030D-6E8A-4147-A177-3AD203B41FA5}">
+                      <a16:colId xmlns:a16="http://schemas.microsoft.com/office/drawing/2014/main" val="20001"/>
+                    </a:ext>
+                  </a:extLst>
+                </a:gridCol>
               </a:tblGrid>
               <a:tr h="233210">
                 <a:tc gridSpan="2">
@@ -22466,6 +22636,11 @@
                   </a:txBody>
                   <a:tcPr marL="0" marR="0" marT="0" marB="0"/>
                 </a:tc>
+                <a:extLst>
+                  <a:ext uri="{0D108BD9-81ED-4DB2-BD59-A6C34878D82A}">
+                    <a16:rowId xmlns:a16="http://schemas.microsoft.com/office/drawing/2014/main" val="10000"/>
+                  </a:ext>
+                </a:extLst>
               </a:tr>
               <a:tr h="250278">
                 <a:tc gridSpan="2">
@@ -22676,6 +22851,11 @@
                   </a:txBody>
                   <a:tcPr marL="0" marR="0" marT="0" marB="0"/>
                 </a:tc>
+                <a:extLst>
+                  <a:ext uri="{0D108BD9-81ED-4DB2-BD59-A6C34878D82A}">
+                    <a16:rowId xmlns:a16="http://schemas.microsoft.com/office/drawing/2014/main" val="10001"/>
+                  </a:ext>
+                </a:extLst>
               </a:tr>
               <a:tr h="249935">
                 <a:tc gridSpan="2">
@@ -22781,6 +22961,11 @@
                   </a:txBody>
                   <a:tcPr marL="0" marR="0" marT="0" marB="0"/>
                 </a:tc>
+                <a:extLst>
+                  <a:ext uri="{0D108BD9-81ED-4DB2-BD59-A6C34878D82A}">
+                    <a16:rowId xmlns:a16="http://schemas.microsoft.com/office/drawing/2014/main" val="10002"/>
+                  </a:ext>
+                </a:extLst>
               </a:tr>
               <a:tr h="249174">
                 <a:tc gridSpan="2">
@@ -23047,6 +23232,11 @@
                   </a:txBody>
                   <a:tcPr marL="0" marR="0" marT="0" marB="0"/>
                 </a:tc>
+                <a:extLst>
+                  <a:ext uri="{0D108BD9-81ED-4DB2-BD59-A6C34878D82A}">
+                    <a16:rowId xmlns:a16="http://schemas.microsoft.com/office/drawing/2014/main" val="10003"/>
+                  </a:ext>
+                </a:extLst>
               </a:tr>
               <a:tr h="249174">
                 <a:tc gridSpan="2">
@@ -23166,6 +23356,11 @@
                   </a:txBody>
                   <a:tcPr marL="0" marR="0" marT="0" marB="0"/>
                 </a:tc>
+                <a:extLst>
+                  <a:ext uri="{0D108BD9-81ED-4DB2-BD59-A6C34878D82A}">
+                    <a16:rowId xmlns:a16="http://schemas.microsoft.com/office/drawing/2014/main" val="10004"/>
+                  </a:ext>
+                </a:extLst>
               </a:tr>
               <a:tr h="250698">
                 <a:tc gridSpan="2">
@@ -23362,6 +23557,11 @@
                   </a:txBody>
                   <a:tcPr marL="0" marR="0" marT="0" marB="0"/>
                 </a:tc>
+                <a:extLst>
+                  <a:ext uri="{0D108BD9-81ED-4DB2-BD59-A6C34878D82A}">
+                    <a16:rowId xmlns:a16="http://schemas.microsoft.com/office/drawing/2014/main" val="10005"/>
+                  </a:ext>
+                </a:extLst>
               </a:tr>
               <a:tr h="233933">
                 <a:tc>
@@ -23462,6 +23662,11 @@
                     </a:lnT>
                   </a:tcPr>
                 </a:tc>
+                <a:extLst>
+                  <a:ext uri="{0D108BD9-81ED-4DB2-BD59-A6C34878D82A}">
+                    <a16:rowId xmlns:a16="http://schemas.microsoft.com/office/drawing/2014/main" val="10006"/>
+                  </a:ext>
+                </a:extLst>
               </a:tr>
             </a:tbl>
           </a:graphicData>
@@ -23517,7 +23722,7 @@
               </a:rPr>
               <a:t>Interfaces</a:t>
             </a:r>
-            <a:endParaRPr sz="1600">
+            <a:endParaRPr sz="1600" dirty="0">
               <a:latin typeface="Calibri"/>
               <a:cs typeface="Calibri"/>
             </a:endParaRPr>
@@ -23762,7 +23967,7 @@
               </a:rPr>
               <a:t>.</a:t>
             </a:r>
-            <a:endParaRPr sz="1400">
+            <a:endParaRPr sz="1400" dirty="0">
               <a:latin typeface="Calibri"/>
               <a:cs typeface="Calibri"/>
             </a:endParaRPr>
@@ -23867,10 +24072,6 @@
               </a:rPr>
               <a:t>network.</a:t>
             </a:r>
-            <a:endParaRPr sz="1400">
-              <a:latin typeface="Calibri"/>
-              <a:cs typeface="Calibri"/>
-            </a:endParaRPr>
           </a:p>
         </p:txBody>
       </p:sp>
@@ -23931,7 +24132,7 @@
               </a:rPr>
               <a:t>Address</a:t>
             </a:r>
-            <a:endParaRPr sz="1600">
+            <a:endParaRPr sz="1600" dirty="0">
               <a:latin typeface="Calibri"/>
               <a:cs typeface="Calibri"/>
             </a:endParaRPr>
@@ -24141,10 +24342,6 @@
               </a:rPr>
               <a:t>Address.</a:t>
             </a:r>
-            <a:endParaRPr sz="1400">
-              <a:latin typeface="Calibri"/>
-              <a:cs typeface="Calibri"/>
-            </a:endParaRPr>
           </a:p>
         </p:txBody>
       </p:sp>
@@ -24536,7 +24733,7 @@
               </a:rPr>
               <a:t>(EIP)</a:t>
             </a:r>
-            <a:endParaRPr sz="1600">
+            <a:endParaRPr sz="1600" dirty="0">
               <a:latin typeface="Calibri"/>
               <a:cs typeface="Calibri"/>
             </a:endParaRPr>
@@ -24753,7 +24950,7 @@
               </a:rPr>
               <a:t>time.</a:t>
             </a:r>
-            <a:endParaRPr sz="1400">
+            <a:endParaRPr sz="1400" dirty="0">
               <a:latin typeface="Calibri"/>
               <a:cs typeface="Calibri"/>
             </a:endParaRPr>
@@ -24764,7 +24961,7 @@
                 <a:spcPct val="100000"/>
               </a:lnSpc>
             </a:pPr>
-            <a:endParaRPr sz="1050">
+            <a:endParaRPr sz="1050" dirty="0">
               <a:latin typeface="Calibri"/>
               <a:cs typeface="Calibri"/>
             </a:endParaRPr>
@@ -24796,10 +24993,6 @@
               </a:rPr>
               <a:t>EIP:</a:t>
             </a:r>
-            <a:endParaRPr sz="1400">
-              <a:latin typeface="Calibri"/>
-              <a:cs typeface="Calibri"/>
-            </a:endParaRPr>
           </a:p>
           <a:p>
             <a:pPr marL="469265" marR="473075" lvl="1" indent="-228600">
@@ -24871,7 +25064,7 @@
               </a:rPr>
               <a:t>any  Instance.</a:t>
             </a:r>
-            <a:endParaRPr sz="1400">
+            <a:endParaRPr sz="1400" dirty="0">
               <a:latin typeface="Calibri"/>
               <a:cs typeface="Calibri"/>
             </a:endParaRPr>
@@ -24953,7 +25146,7 @@
               </a:rPr>
               <a:t>internet.</a:t>
             </a:r>
-            <a:endParaRPr sz="1400">
+            <a:endParaRPr sz="1400" dirty="0">
               <a:latin typeface="Calibri"/>
               <a:cs typeface="Calibri"/>
             </a:endParaRPr>
@@ -25063,7 +25256,7 @@
               </a:rPr>
               <a:t>Instance.</a:t>
             </a:r>
-            <a:endParaRPr sz="1400">
+            <a:endParaRPr sz="1400" dirty="0">
               <a:latin typeface="Calibri"/>
               <a:cs typeface="Calibri"/>
             </a:endParaRPr>
@@ -25145,10 +25338,6 @@
               </a:rPr>
               <a:t>region.</a:t>
             </a:r>
-            <a:endParaRPr sz="1400">
-              <a:latin typeface="Calibri"/>
-              <a:cs typeface="Calibri"/>
-            </a:endParaRPr>
           </a:p>
           <a:p>
             <a:pPr marL="469265" marR="212090" lvl="1" indent="-228600">
@@ -25297,7 +25486,7 @@
               </a:rPr>
               <a:t>Internet.</a:t>
             </a:r>
-            <a:endParaRPr sz="1400">
+            <a:endParaRPr sz="1400" dirty="0">
               <a:latin typeface="Calibri"/>
               <a:cs typeface="Calibri"/>
             </a:endParaRPr>
@@ -25414,7 +25603,7 @@
               </a:rPr>
               <a:t>support.</a:t>
             </a:r>
-            <a:endParaRPr sz="1400">
+            <a:endParaRPr sz="1400" dirty="0">
               <a:latin typeface="Calibri"/>
               <a:cs typeface="Calibri"/>
             </a:endParaRPr>
@@ -25427,7 +25616,7 @@
               <a:buFont typeface="Calibri"/>
               <a:buChar char="-"/>
             </a:pPr>
-            <a:endParaRPr sz="1400">
+            <a:endParaRPr sz="1400" dirty="0">
               <a:latin typeface="Calibri"/>
               <a:cs typeface="Calibri"/>
             </a:endParaRPr>
@@ -25443,7 +25632,7 @@
               <a:buFont typeface="Calibri"/>
               <a:buChar char="-"/>
             </a:pPr>
-            <a:endParaRPr sz="1750">
+            <a:endParaRPr sz="1750" dirty="0">
               <a:latin typeface="Calibri"/>
               <a:cs typeface="Calibri"/>
             </a:endParaRPr>
@@ -25491,10 +25680,6 @@
               </a:rPr>
               <a:t>:</a:t>
             </a:r>
-            <a:endParaRPr sz="1400">
-              <a:latin typeface="Calibri"/>
-              <a:cs typeface="Calibri"/>
-            </a:endParaRPr>
           </a:p>
           <a:p>
             <a:pPr marL="240665" marR="66040">
@@ -25638,7 +25823,7 @@
               </a:rPr>
               <a:t>Name which</a:t>
             </a:r>
-            <a:endParaRPr sz="1400">
+            <a:endParaRPr sz="1400" dirty="0">
               <a:latin typeface="Calibri"/>
               <a:cs typeface="Calibri"/>
             </a:endParaRPr>
@@ -26271,7 +26456,7 @@
               </a:rPr>
               <a:t>(AZ):</a:t>
             </a:r>
-            <a:endParaRPr sz="1600">
+            <a:endParaRPr sz="1600" dirty="0">
               <a:latin typeface="Calibri"/>
               <a:cs typeface="Calibri"/>
             </a:endParaRPr>
@@ -26460,7 +26645,7 @@
               </a:rPr>
               <a:t>specify.</a:t>
             </a:r>
-            <a:endParaRPr sz="1400">
+            <a:endParaRPr sz="1400" dirty="0">
               <a:latin typeface="Calibri"/>
               <a:cs typeface="Calibri"/>
             </a:endParaRPr>
